--- a/Xamarin Cafeteria.pptx
+++ b/Xamarin Cafeteria.pptx
@@ -5,7 +5,7 @@
     <p:sldMasterId id="2147483648" r:id="rId4"/>
   </p:sldMasterIdLst>
   <p:notesMasterIdLst>
-    <p:notesMasterId r:id="rId54"/>
+    <p:notesMasterId r:id="rId52"/>
   </p:notesMasterIdLst>
   <p:sldIdLst>
     <p:sldId id="256" r:id="rId5"/>
@@ -33,30 +33,28 @@
     <p:sldId id="353" r:id="rId27"/>
     <p:sldId id="339" r:id="rId28"/>
     <p:sldId id="340" r:id="rId29"/>
-    <p:sldId id="343" r:id="rId30"/>
+    <p:sldId id="369" r:id="rId30"/>
     <p:sldId id="342" r:id="rId31"/>
     <p:sldId id="344" r:id="rId32"/>
-    <p:sldId id="345" r:id="rId33"/>
-    <p:sldId id="347" r:id="rId34"/>
-    <p:sldId id="346" r:id="rId35"/>
-    <p:sldId id="349" r:id="rId36"/>
-    <p:sldId id="366" r:id="rId37"/>
-    <p:sldId id="348" r:id="rId38"/>
-    <p:sldId id="351" r:id="rId39"/>
-    <p:sldId id="352" r:id="rId40"/>
-    <p:sldId id="355" r:id="rId41"/>
-    <p:sldId id="356" r:id="rId42"/>
-    <p:sldId id="357" r:id="rId43"/>
-    <p:sldId id="359" r:id="rId44"/>
-    <p:sldId id="360" r:id="rId45"/>
-    <p:sldId id="361" r:id="rId46"/>
-    <p:sldId id="362" r:id="rId47"/>
-    <p:sldId id="363" r:id="rId48"/>
-    <p:sldId id="364" r:id="rId49"/>
-    <p:sldId id="358" r:id="rId50"/>
-    <p:sldId id="367" r:id="rId51"/>
-    <p:sldId id="368" r:id="rId52"/>
-    <p:sldId id="318" r:id="rId53"/>
+    <p:sldId id="346" r:id="rId33"/>
+    <p:sldId id="349" r:id="rId34"/>
+    <p:sldId id="366" r:id="rId35"/>
+    <p:sldId id="348" r:id="rId36"/>
+    <p:sldId id="351" r:id="rId37"/>
+    <p:sldId id="352" r:id="rId38"/>
+    <p:sldId id="357" r:id="rId39"/>
+    <p:sldId id="355" r:id="rId40"/>
+    <p:sldId id="356" r:id="rId41"/>
+    <p:sldId id="359" r:id="rId42"/>
+    <p:sldId id="360" r:id="rId43"/>
+    <p:sldId id="361" r:id="rId44"/>
+    <p:sldId id="362" r:id="rId45"/>
+    <p:sldId id="363" r:id="rId46"/>
+    <p:sldId id="364" r:id="rId47"/>
+    <p:sldId id="358" r:id="rId48"/>
+    <p:sldId id="367" r:id="rId49"/>
+    <p:sldId id="368" r:id="rId50"/>
+    <p:sldId id="318" r:id="rId51"/>
   </p:sldIdLst>
   <p:sldSz cx="9144000" cy="5143500" type="screen16x9"/>
   <p:notesSz cx="6858000" cy="9144000"/>
@@ -277,7 +275,7 @@
           <a:p>
             <a:fld id="{5E09C458-3EA9-2841-9A2C-95E0579D6905}" type="datetimeFigureOut">
               <a:rPr lang="en-US" smtClean="0"/>
-              <a:t>4/4/17</a:t>
+              <a:t>4/9/17</a:t>
             </a:fld>
             <a:endParaRPr lang="en-US" dirty="0"/>
           </a:p>
@@ -3231,7 +3229,25 @@
           <a:lstStyle/>
           <a:p>
             <a:r>
-              <a:rPr lang="en-US" dirty="0" err="1"/>
+              <a:rPr lang="en-US" dirty="0" err="1" smtClean="0"/>
+              <a:t>CafeteriaViewModel</a:t>
+            </a:r>
+            <a:endParaRPr lang="en-US" dirty="0" smtClean="0"/>
+          </a:p>
+          <a:p>
+            <a:pPr lvl="1"/>
+            <a:r>
+              <a:rPr lang="en-US" dirty="0" err="1" smtClean="0"/>
+              <a:t>ObservableCollection</a:t>
+            </a:r>
+            <a:r>
+              <a:rPr lang="en-US" dirty="0" smtClean="0"/>
+              <a:t>&lt;Cafeteria&gt; Cafeterias</a:t>
+            </a:r>
+          </a:p>
+          <a:p>
+            <a:r>
+              <a:rPr lang="en-US" dirty="0" err="1" smtClean="0"/>
               <a:t>CafeteriaService</a:t>
             </a:r>
             <a:endParaRPr lang="en-US" dirty="0"/>
@@ -3239,30 +3255,16 @@
           <a:p>
             <a:pPr lvl="1"/>
             <a:r>
-              <a:rPr lang="en-US" dirty="0" err="1"/>
-              <a:t>GetCafeterias</a:t>
-            </a:r>
-            <a:r>
-              <a:rPr lang="en-US" dirty="0"/>
-              <a:t>(), return List of Cafeterias</a:t>
-            </a:r>
-          </a:p>
-          <a:p>
-            <a:pPr lvl="2"/>
-            <a:r>
-              <a:rPr lang="en-US" dirty="0"/>
-              <a:t>This function returns all of the cafeterias</a:t>
-            </a:r>
-          </a:p>
-          <a:p>
-            <a:pPr lvl="1"/>
-            <a:r>
-              <a:rPr lang="en-US" dirty="0" err="1"/>
+              <a:rPr lang="en-US" dirty="0" err="1" smtClean="0"/>
               <a:t>GetCafeteria</a:t>
             </a:r>
             <a:r>
-              <a:rPr lang="en-US" dirty="0"/>
-              <a:t>(Cafeteria), return Cafeteria</a:t>
+              <a:rPr lang="en-US" dirty="0" smtClean="0"/>
+              <a:t>(Cafeteria</a:t>
+            </a:r>
+            <a:r>
+              <a:rPr lang="en-US" dirty="0"/>
+              <a:t>), return Cafeteria</a:t>
             </a:r>
           </a:p>
           <a:p>
@@ -4235,7 +4237,7 @@
         <p:spPr>
           <a:xfrm>
             <a:off x="465410" y="2528626"/>
-            <a:ext cx="1885709" cy="276999"/>
+            <a:ext cx="1045479" cy="276999"/>
           </a:xfrm>
           <a:prstGeom prst="rect">
             <a:avLst/>
@@ -4249,8 +4251,8 @@
           <a:lstStyle/>
           <a:p>
             <a:r>
-              <a:rPr lang="en-US" sz="1200" dirty="0" err="1"/>
-              <a:t>CafeteriaApplicationPage</a:t>
+              <a:rPr lang="en-US" sz="1200" dirty="0" err="1" smtClean="0"/>
+              <a:t>CafeteriaPage</a:t>
             </a:r>
             <a:endParaRPr lang="en-US" sz="1200" dirty="0"/>
           </a:p>
@@ -5029,7 +5031,7 @@
       </p:sp>
       <p:pic>
         <p:nvPicPr>
-          <p:cNvPr id="6" name="Picture 5"/>
+          <p:cNvPr id="4" name="Picture 3"/>
           <p:cNvPicPr>
             <a:picLocks noChangeAspect="1"/>
           </p:cNvPicPr>
@@ -5049,8 +5051,8 @@
         </p:blipFill>
         <p:spPr>
           <a:xfrm>
-            <a:off x="2847846" y="1786337"/>
-            <a:ext cx="5313174" cy="3070835"/>
+            <a:off x="2802775" y="1764569"/>
+            <a:ext cx="6341225" cy="2981093"/>
           </a:xfrm>
           <a:prstGeom prst="rect">
             <a:avLst/>
@@ -5179,8 +5181,8 @@
               <a:t>Main page | </a:t>
             </a:r>
             <a:r>
-              <a:rPr lang="en-US" dirty="0" err="1"/>
-              <a:t>CafeteriaApplicationPage</a:t>
+              <a:rPr lang="en-US" dirty="0" err="1" smtClean="0"/>
+              <a:t>CafeteriaPage</a:t>
             </a:r>
             <a:endParaRPr lang="en-US" dirty="0"/>
           </a:p>
@@ -5232,24 +5234,34 @@
           <a:lstStyle/>
           <a:p>
             <a:r>
-              <a:rPr lang="en-US" dirty="0"/>
-              <a:t>We want a List that will hold our cafeterias</a:t>
-            </a:r>
-          </a:p>
-          <a:p>
-            <a:r>
-              <a:rPr lang="en-US" dirty="0"/>
-              <a:t>We want to notify the UI when the data is set, so it can refresh</a:t>
-            </a:r>
-          </a:p>
-          <a:p>
-            <a:r>
-              <a:rPr lang="en-US" dirty="0"/>
-              <a:t>Custom Class </a:t>
-            </a:r>
-            <a:r>
-              <a:rPr lang="en-US" dirty="0" err="1"/>
-              <a:t>ObservableValue</a:t>
+              <a:rPr lang="en-US" dirty="0" smtClean="0"/>
+              <a:t>Using MVVM we will have a </a:t>
+            </a:r>
+            <a:r>
+              <a:rPr lang="en-US" dirty="0" err="1" smtClean="0"/>
+              <a:t>CafeteriaViewModel</a:t>
+            </a:r>
+            <a:r>
+              <a:rPr lang="en-US" dirty="0" smtClean="0"/>
+              <a:t> that will bind to our view</a:t>
+            </a:r>
+          </a:p>
+          <a:p>
+            <a:r>
+              <a:rPr lang="en-US" dirty="0" err="1" smtClean="0"/>
+              <a:t>CafeteriaViewModel</a:t>
+            </a:r>
+            <a:r>
+              <a:rPr lang="en-US" dirty="0" smtClean="0"/>
+              <a:t> has an </a:t>
+            </a:r>
+            <a:r>
+              <a:rPr lang="en-US" dirty="0" err="1" smtClean="0"/>
+              <a:t>ObservableCollection</a:t>
+            </a:r>
+            <a:r>
+              <a:rPr lang="en-US" dirty="0" smtClean="0"/>
+              <a:t> (list) of cafeterias </a:t>
             </a:r>
             <a:endParaRPr lang="en-US" dirty="0"/>
           </a:p>
@@ -5275,8 +5287,8 @@
               <a:t>Main page | </a:t>
             </a:r>
             <a:r>
-              <a:rPr lang="en-US" dirty="0" err="1"/>
-              <a:t>CafeteriaApplicationPage</a:t>
+              <a:rPr lang="en-US" dirty="0" err="1" smtClean="0"/>
+              <a:t>CafeteriaPage</a:t>
             </a:r>
             <a:endParaRPr lang="en-US" dirty="0"/>
           </a:p>
@@ -5284,7 +5296,7 @@
       </p:sp>
       <p:pic>
         <p:nvPicPr>
-          <p:cNvPr id="4" name="Picture 3"/>
+          <p:cNvPr id="5" name="Picture 4"/>
           <p:cNvPicPr>
             <a:picLocks noChangeAspect="1"/>
           </p:cNvPicPr>
@@ -5304,8 +5316,8 @@
         </p:blipFill>
         <p:spPr>
           <a:xfrm>
-            <a:off x="393700" y="3197229"/>
-            <a:ext cx="7658100" cy="1282700"/>
+            <a:off x="611149" y="3103446"/>
+            <a:ext cx="5143500" cy="685800"/>
           </a:xfrm>
           <a:prstGeom prst="rect">
             <a:avLst/>
@@ -5315,7 +5327,7 @@
     </p:spTree>
     <p:extLst>
       <p:ext uri="{BB962C8B-B14F-4D97-AF65-F5344CB8AC3E}">
-        <p14:creationId xmlns:p14="http://schemas.microsoft.com/office/powerpoint/2010/main" val="36144370"/>
+        <p14:creationId xmlns:p14="http://schemas.microsoft.com/office/powerpoint/2010/main" val="1297492163"/>
       </p:ext>
     </p:extLst>
   </p:cSld>
@@ -5377,8 +5389,13 @@
             </a:r>
             <a:r>
               <a:rPr lang="en-US" dirty="0"/>
-              <a:t> to our Cafeteria List</a:t>
-            </a:r>
+              <a:t> to our </a:t>
+            </a:r>
+            <a:r>
+              <a:rPr lang="en-US" dirty="0" smtClean="0"/>
+              <a:t>Cafeterias</a:t>
+            </a:r>
+            <a:endParaRPr lang="en-US" dirty="0"/>
           </a:p>
         </p:txBody>
       </p:sp>
@@ -5402,8 +5419,8 @@
               <a:t>Main page | </a:t>
             </a:r>
             <a:r>
-              <a:rPr lang="en-US" dirty="0" err="1"/>
-              <a:t>CafeteriaApplicationPage</a:t>
+              <a:rPr lang="en-US" dirty="0" err="1" smtClean="0"/>
+              <a:t>CafeteriaPage</a:t>
             </a:r>
             <a:endParaRPr lang="en-US" dirty="0"/>
           </a:p>
@@ -5411,7 +5428,7 @@
       </p:sp>
       <p:pic>
         <p:nvPicPr>
-          <p:cNvPr id="4" name="Picture 3"/>
+          <p:cNvPr id="5" name="Picture 4"/>
           <p:cNvPicPr>
             <a:picLocks noChangeAspect="1"/>
           </p:cNvPicPr>
@@ -5431,8 +5448,8 @@
         </p:blipFill>
         <p:spPr>
           <a:xfrm>
-            <a:off x="413066" y="2204720"/>
-            <a:ext cx="8503920" cy="960609"/>
+            <a:off x="233167" y="2702721"/>
+            <a:ext cx="8115300" cy="1244600"/>
           </a:xfrm>
           <a:prstGeom prst="rect">
             <a:avLst/>
@@ -5534,8 +5551,8 @@
               <a:t>Main page | </a:t>
             </a:r>
             <a:r>
-              <a:rPr lang="en-US" dirty="0" err="1"/>
-              <a:t>CafeteriaApplicationPage</a:t>
+              <a:rPr lang="en-US" dirty="0" err="1" smtClean="0"/>
+              <a:t>CafeteriaPage</a:t>
             </a:r>
             <a:endParaRPr lang="en-US" dirty="0"/>
           </a:p>
@@ -5618,14 +5635,10 @@
           <a:p>
             <a:r>
               <a:rPr lang="en-US" dirty="0"/>
-              <a:t>Now we need an object to get our list of cafeteria</a:t>
-            </a:r>
-          </a:p>
-          <a:p>
-            <a:r>
-              <a:rPr lang="en-US" dirty="0" err="1"/>
-              <a:t>CafeteriaService</a:t>
-            </a:r>
+              <a:t>Constructor</a:t>
+            </a:r>
+          </a:p>
+          <a:p>
             <a:endParaRPr lang="en-US" dirty="0"/>
           </a:p>
           <a:p>
@@ -5653,16 +5666,46 @@
               <a:t>Main page | </a:t>
             </a:r>
             <a:r>
-              <a:rPr lang="en-US" dirty="0" err="1"/>
-              <a:t>CafeteriaApplicationPage</a:t>
+              <a:rPr lang="en-US" dirty="0" err="1" smtClean="0"/>
+              <a:t>CafeteriaPage</a:t>
             </a:r>
             <a:endParaRPr lang="en-US" dirty="0"/>
+          </a:p>
+        </p:txBody>
+      </p:sp>
+      <p:sp>
+        <p:nvSpPr>
+          <p:cNvPr id="6" name="TextBox 5"/>
+          <p:cNvSpPr txBox="1"/>
+          <p:nvPr/>
+        </p:nvSpPr>
+        <p:spPr>
+          <a:xfrm>
+            <a:off x="201011" y="4401834"/>
+            <a:ext cx="2593428" cy="261610"/>
+          </a:xfrm>
+          <a:prstGeom prst="rect">
+            <a:avLst/>
+          </a:prstGeom>
+          <a:noFill/>
+        </p:spPr>
+        <p:txBody>
+          <a:bodyPr wrap="square" rtlCol="0">
+            <a:spAutoFit/>
+          </a:bodyPr>
+          <a:lstStyle/>
+          <a:p>
+            <a:r>
+              <a:rPr lang="en-US" sz="1100" i="1" dirty="0" err="1" smtClean="0"/>
+              <a:t>CafeteriaPage.xaml.cs</a:t>
+            </a:r>
+            <a:endParaRPr lang="en-US" sz="1100" i="1" dirty="0"/>
           </a:p>
         </p:txBody>
       </p:sp>
       <p:pic>
         <p:nvPicPr>
-          <p:cNvPr id="6" name="Picture 5"/>
+          <p:cNvPr id="7" name="Picture 6"/>
           <p:cNvPicPr>
             <a:picLocks noChangeAspect="1"/>
           </p:cNvPicPr>
@@ -5682,8 +5725,8 @@
         </p:blipFill>
         <p:spPr>
           <a:xfrm>
-            <a:off x="607957" y="2429671"/>
-            <a:ext cx="6845300" cy="546100"/>
+            <a:off x="680224" y="1382913"/>
+            <a:ext cx="5040041" cy="2639615"/>
           </a:xfrm>
           <a:prstGeom prst="rect">
             <a:avLst/>
@@ -5693,7 +5736,7 @@
     </p:spTree>
     <p:extLst>
       <p:ext uri="{BB962C8B-B14F-4D97-AF65-F5344CB8AC3E}">
-        <p14:creationId xmlns:p14="http://schemas.microsoft.com/office/powerpoint/2010/main" val="2006352984"/>
+        <p14:creationId xmlns:p14="http://schemas.microsoft.com/office/powerpoint/2010/main" val="406770468"/>
       </p:ext>
     </p:extLst>
   </p:cSld>
@@ -5787,266 +5830,6 @@
 </file>
 
 <file path=ppt/slides/slide30.xml><?xml version="1.0" encoding="utf-8"?>
-<p:sld xmlns:a="http://schemas.openxmlformats.org/drawingml/2006/main" xmlns:r="http://schemas.openxmlformats.org/officeDocument/2006/relationships" xmlns:p="http://schemas.openxmlformats.org/presentationml/2006/main">
-  <p:cSld>
-    <p:spTree>
-      <p:nvGrpSpPr>
-        <p:cNvPr id="1" name=""/>
-        <p:cNvGrpSpPr/>
-        <p:nvPr/>
-      </p:nvGrpSpPr>
-      <p:grpSpPr>
-        <a:xfrm>
-          <a:off x="0" y="0"/>
-          <a:ext cx="0" cy="0"/>
-          <a:chOff x="0" y="0"/>
-          <a:chExt cx="0" cy="0"/>
-        </a:xfrm>
-      </p:grpSpPr>
-      <p:sp>
-        <p:nvSpPr>
-          <p:cNvPr id="2" name="Content Placeholder 1"/>
-          <p:cNvSpPr>
-            <a:spLocks noGrp="1"/>
-          </p:cNvSpPr>
-          <p:nvPr>
-            <p:ph idx="1"/>
-          </p:nvPr>
-        </p:nvSpPr>
-        <p:spPr/>
-        <p:txBody>
-          <a:bodyPr/>
-          <a:lstStyle/>
-          <a:p>
-            <a:r>
-              <a:rPr lang="en-US" dirty="0"/>
-              <a:t>Function to load the Data, we can also use this if we implement a button or pull to refresh</a:t>
-            </a:r>
-          </a:p>
-          <a:p>
-            <a:endParaRPr lang="en-US" dirty="0"/>
-          </a:p>
-          <a:p>
-            <a:endParaRPr lang="en-US" dirty="0"/>
-          </a:p>
-        </p:txBody>
-      </p:sp>
-      <p:sp>
-        <p:nvSpPr>
-          <p:cNvPr id="3" name="Title 2"/>
-          <p:cNvSpPr>
-            <a:spLocks noGrp="1"/>
-          </p:cNvSpPr>
-          <p:nvPr>
-            <p:ph type="title"/>
-          </p:nvPr>
-        </p:nvSpPr>
-        <p:spPr/>
-        <p:txBody>
-          <a:bodyPr/>
-          <a:lstStyle/>
-          <a:p>
-            <a:r>
-              <a:rPr lang="en-US" dirty="0"/>
-              <a:t>Main page | </a:t>
-            </a:r>
-            <a:r>
-              <a:rPr lang="en-US" dirty="0" err="1"/>
-              <a:t>CafeteriaApplicationPage</a:t>
-            </a:r>
-            <a:endParaRPr lang="en-US" dirty="0"/>
-          </a:p>
-        </p:txBody>
-      </p:sp>
-      <p:pic>
-        <p:nvPicPr>
-          <p:cNvPr id="5" name="Picture 4"/>
-          <p:cNvPicPr>
-            <a:picLocks noChangeAspect="1"/>
-          </p:cNvPicPr>
-          <p:nvPr/>
-        </p:nvPicPr>
-        <p:blipFill>
-          <a:blip r:embed="rId2">
-            <a:extLst>
-              <a:ext uri="{28A0092B-C50C-407E-A947-70E740481C1C}">
-                <a14:useLocalDpi xmlns:a14="http://schemas.microsoft.com/office/drawing/2010/main" val="0"/>
-              </a:ext>
-            </a:extLst>
-          </a:blip>
-          <a:stretch>
-            <a:fillRect/>
-          </a:stretch>
-        </p:blipFill>
-        <p:spPr>
-          <a:xfrm>
-            <a:off x="149126" y="2702721"/>
-            <a:ext cx="8851900" cy="1231900"/>
-          </a:xfrm>
-          <a:prstGeom prst="rect">
-            <a:avLst/>
-          </a:prstGeom>
-        </p:spPr>
-      </p:pic>
-    </p:spTree>
-    <p:extLst>
-      <p:ext uri="{BB962C8B-B14F-4D97-AF65-F5344CB8AC3E}">
-        <p14:creationId xmlns:p14="http://schemas.microsoft.com/office/powerpoint/2010/main" val="1165298839"/>
-      </p:ext>
-    </p:extLst>
-  </p:cSld>
-  <p:clrMapOvr>
-    <a:masterClrMapping/>
-  </p:clrMapOvr>
-</p:sld>
-</file>
-
-<file path=ppt/slides/slide31.xml><?xml version="1.0" encoding="utf-8"?>
-<p:sld xmlns:a="http://schemas.openxmlformats.org/drawingml/2006/main" xmlns:r="http://schemas.openxmlformats.org/officeDocument/2006/relationships" xmlns:p="http://schemas.openxmlformats.org/presentationml/2006/main">
-  <p:cSld>
-    <p:spTree>
-      <p:nvGrpSpPr>
-        <p:cNvPr id="1" name=""/>
-        <p:cNvGrpSpPr/>
-        <p:nvPr/>
-      </p:nvGrpSpPr>
-      <p:grpSpPr>
-        <a:xfrm>
-          <a:off x="0" y="0"/>
-          <a:ext cx="0" cy="0"/>
-          <a:chOff x="0" y="0"/>
-          <a:chExt cx="0" cy="0"/>
-        </a:xfrm>
-      </p:grpSpPr>
-      <p:sp>
-        <p:nvSpPr>
-          <p:cNvPr id="2" name="Content Placeholder 1"/>
-          <p:cNvSpPr>
-            <a:spLocks noGrp="1"/>
-          </p:cNvSpPr>
-          <p:nvPr>
-            <p:ph idx="1"/>
-          </p:nvPr>
-        </p:nvSpPr>
-        <p:spPr/>
-        <p:txBody>
-          <a:bodyPr/>
-          <a:lstStyle/>
-          <a:p>
-            <a:r>
-              <a:rPr lang="en-US" dirty="0"/>
-              <a:t>Constructor</a:t>
-            </a:r>
-          </a:p>
-          <a:p>
-            <a:endParaRPr lang="en-US" dirty="0"/>
-          </a:p>
-          <a:p>
-            <a:endParaRPr lang="en-US" dirty="0"/>
-          </a:p>
-        </p:txBody>
-      </p:sp>
-      <p:sp>
-        <p:nvSpPr>
-          <p:cNvPr id="3" name="Title 2"/>
-          <p:cNvSpPr>
-            <a:spLocks noGrp="1"/>
-          </p:cNvSpPr>
-          <p:nvPr>
-            <p:ph type="title"/>
-          </p:nvPr>
-        </p:nvSpPr>
-        <p:spPr/>
-        <p:txBody>
-          <a:bodyPr/>
-          <a:lstStyle/>
-          <a:p>
-            <a:r>
-              <a:rPr lang="en-US" dirty="0"/>
-              <a:t>Main page | </a:t>
-            </a:r>
-            <a:r>
-              <a:rPr lang="en-US" dirty="0" err="1"/>
-              <a:t>CafeteriaApplicationPage</a:t>
-            </a:r>
-            <a:endParaRPr lang="en-US" dirty="0"/>
-          </a:p>
-        </p:txBody>
-      </p:sp>
-      <p:pic>
-        <p:nvPicPr>
-          <p:cNvPr id="5" name="Picture 4"/>
-          <p:cNvPicPr>
-            <a:picLocks noChangeAspect="1"/>
-          </p:cNvPicPr>
-          <p:nvPr/>
-        </p:nvPicPr>
-        <p:blipFill>
-          <a:blip r:embed="rId2">
-            <a:extLst>
-              <a:ext uri="{28A0092B-C50C-407E-A947-70E740481C1C}">
-                <a14:useLocalDpi xmlns:a14="http://schemas.microsoft.com/office/drawing/2010/main" val="0"/>
-              </a:ext>
-            </a:extLst>
-          </a:blip>
-          <a:stretch>
-            <a:fillRect/>
-          </a:stretch>
-        </p:blipFill>
-        <p:spPr>
-          <a:xfrm>
-            <a:off x="233167" y="1866900"/>
-            <a:ext cx="6492240" cy="2407342"/>
-          </a:xfrm>
-          <a:prstGeom prst="rect">
-            <a:avLst/>
-          </a:prstGeom>
-        </p:spPr>
-      </p:pic>
-      <p:sp>
-        <p:nvSpPr>
-          <p:cNvPr id="6" name="TextBox 5"/>
-          <p:cNvSpPr txBox="1"/>
-          <p:nvPr/>
-        </p:nvSpPr>
-        <p:spPr>
-          <a:xfrm>
-            <a:off x="201011" y="4401834"/>
-            <a:ext cx="2593428" cy="261610"/>
-          </a:xfrm>
-          <a:prstGeom prst="rect">
-            <a:avLst/>
-          </a:prstGeom>
-          <a:noFill/>
-        </p:spPr>
-        <p:txBody>
-          <a:bodyPr wrap="square" rtlCol="0">
-            <a:spAutoFit/>
-          </a:bodyPr>
-          <a:lstStyle/>
-          <a:p>
-            <a:r>
-              <a:rPr lang="en-US" sz="1100" i="1" dirty="0" err="1"/>
-              <a:t>CafeteriaApplicationPage.xaml.cs</a:t>
-            </a:r>
-            <a:endParaRPr lang="en-US" sz="1100" i="1" dirty="0"/>
-          </a:p>
-        </p:txBody>
-      </p:sp>
-    </p:spTree>
-    <p:extLst>
-      <p:ext uri="{BB962C8B-B14F-4D97-AF65-F5344CB8AC3E}">
-        <p14:creationId xmlns:p14="http://schemas.microsoft.com/office/powerpoint/2010/main" val="406770468"/>
-      </p:ext>
-    </p:extLst>
-  </p:cSld>
-  <p:clrMapOvr>
-    <a:masterClrMapping/>
-  </p:clrMapOvr>
-</p:sld>
-</file>
-
-<file path=ppt/slides/slide32.xml><?xml version="1.0" encoding="utf-8"?>
 <p:sld xmlns:a="http://schemas.openxmlformats.org/drawingml/2006/main" xmlns:r="http://schemas.openxmlformats.org/officeDocument/2006/relationships" xmlns:p="http://schemas.openxmlformats.org/presentationml/2006/main">
   <p:cSld>
     <p:spTree>
@@ -6157,7 +5940,7 @@
 </p:sld>
 </file>
 
-<file path=ppt/slides/slide33.xml><?xml version="1.0" encoding="utf-8"?>
+<file path=ppt/slides/slide31.xml><?xml version="1.0" encoding="utf-8"?>
 <p:sld xmlns:a="http://schemas.openxmlformats.org/drawingml/2006/main" xmlns:r="http://schemas.openxmlformats.org/officeDocument/2006/relationships" xmlns:p="http://schemas.openxmlformats.org/presentationml/2006/main">
   <p:cSld>
     <p:spTree>
@@ -6345,7 +6128,7 @@
         <p:spPr>
           <a:xfrm>
             <a:off x="465410" y="2528626"/>
-            <a:ext cx="1885709" cy="276999"/>
+            <a:ext cx="1045479" cy="276999"/>
           </a:xfrm>
           <a:prstGeom prst="rect">
             <a:avLst/>
@@ -6359,8 +6142,8 @@
           <a:lstStyle/>
           <a:p>
             <a:r>
-              <a:rPr lang="en-US" sz="1200" dirty="0" err="1"/>
-              <a:t>CafeteriaApplicationPage</a:t>
+              <a:rPr lang="en-US" sz="1200" dirty="0" err="1" smtClean="0"/>
+              <a:t>CafeteriaPage</a:t>
             </a:r>
             <a:endParaRPr lang="en-US" sz="1200" dirty="0"/>
           </a:p>
@@ -7060,6 +6843,326 @@
 </p:sld>
 </file>
 
+<file path=ppt/slides/slide32.xml><?xml version="1.0" encoding="utf-8"?>
+<p:sld xmlns:a="http://schemas.openxmlformats.org/drawingml/2006/main" xmlns:r="http://schemas.openxmlformats.org/officeDocument/2006/relationships" xmlns:p="http://schemas.openxmlformats.org/presentationml/2006/main">
+  <p:cSld>
+    <p:spTree>
+      <p:nvGrpSpPr>
+        <p:cNvPr id="1" name=""/>
+        <p:cNvGrpSpPr/>
+        <p:nvPr/>
+      </p:nvGrpSpPr>
+      <p:grpSpPr>
+        <a:xfrm>
+          <a:off x="0" y="0"/>
+          <a:ext cx="0" cy="0"/>
+          <a:chOff x="0" y="0"/>
+          <a:chExt cx="0" cy="0"/>
+        </a:xfrm>
+      </p:grpSpPr>
+      <p:sp>
+        <p:nvSpPr>
+          <p:cNvPr id="2" name="Content Placeholder 1"/>
+          <p:cNvSpPr>
+            <a:spLocks noGrp="1"/>
+          </p:cNvSpPr>
+          <p:nvPr>
+            <p:ph idx="1"/>
+          </p:nvPr>
+        </p:nvSpPr>
+        <p:spPr/>
+        <p:txBody>
+          <a:bodyPr/>
+          <a:lstStyle/>
+          <a:p>
+            <a:r>
+              <a:rPr lang="en-US" dirty="0"/>
+              <a:t>Constructor, handling user selection </a:t>
+            </a:r>
+          </a:p>
+          <a:p>
+            <a:endParaRPr lang="en-US" dirty="0"/>
+          </a:p>
+          <a:p>
+            <a:endParaRPr lang="en-US" dirty="0"/>
+          </a:p>
+        </p:txBody>
+      </p:sp>
+      <p:sp>
+        <p:nvSpPr>
+          <p:cNvPr id="3" name="Title 2"/>
+          <p:cNvSpPr>
+            <a:spLocks noGrp="1"/>
+          </p:cNvSpPr>
+          <p:nvPr>
+            <p:ph type="title"/>
+          </p:nvPr>
+        </p:nvSpPr>
+        <p:spPr/>
+        <p:txBody>
+          <a:bodyPr/>
+          <a:lstStyle/>
+          <a:p>
+            <a:r>
+              <a:rPr lang="en-US" dirty="0"/>
+              <a:t>Main page | </a:t>
+            </a:r>
+            <a:r>
+              <a:rPr lang="en-US" dirty="0" err="1" smtClean="0"/>
+              <a:t>CafeteriaPage</a:t>
+            </a:r>
+            <a:endParaRPr lang="en-US" dirty="0"/>
+          </a:p>
+        </p:txBody>
+      </p:sp>
+      <p:sp>
+        <p:nvSpPr>
+          <p:cNvPr id="5" name="TextBox 4"/>
+          <p:cNvSpPr txBox="1"/>
+          <p:nvPr/>
+        </p:nvSpPr>
+        <p:spPr>
+          <a:xfrm>
+            <a:off x="201011" y="4401834"/>
+            <a:ext cx="2593428" cy="261610"/>
+          </a:xfrm>
+          <a:prstGeom prst="rect">
+            <a:avLst/>
+          </a:prstGeom>
+          <a:noFill/>
+        </p:spPr>
+        <p:txBody>
+          <a:bodyPr wrap="square" rtlCol="0">
+            <a:spAutoFit/>
+          </a:bodyPr>
+          <a:lstStyle/>
+          <a:p>
+            <a:r>
+              <a:rPr lang="en-US" sz="1100" i="1" dirty="0" err="1" smtClean="0"/>
+              <a:t>CafeteriaPage.xaml.cs</a:t>
+            </a:r>
+            <a:endParaRPr lang="en-US" sz="1100" i="1" dirty="0"/>
+          </a:p>
+        </p:txBody>
+      </p:sp>
+      <p:pic>
+        <p:nvPicPr>
+          <p:cNvPr id="4" name="Picture 3"/>
+          <p:cNvPicPr>
+            <a:picLocks noChangeAspect="1"/>
+          </p:cNvPicPr>
+          <p:nvPr/>
+        </p:nvPicPr>
+        <p:blipFill>
+          <a:blip r:embed="rId2">
+            <a:extLst>
+              <a:ext uri="{28A0092B-C50C-407E-A947-70E740481C1C}">
+                <a14:useLocalDpi xmlns:a14="http://schemas.microsoft.com/office/drawing/2010/main" val="0"/>
+              </a:ext>
+            </a:extLst>
+          </a:blip>
+          <a:stretch>
+            <a:fillRect/>
+          </a:stretch>
+        </p:blipFill>
+        <p:spPr>
+          <a:xfrm>
+            <a:off x="728607" y="1508921"/>
+            <a:ext cx="6604000" cy="2387600"/>
+          </a:xfrm>
+          <a:prstGeom prst="rect">
+            <a:avLst/>
+          </a:prstGeom>
+        </p:spPr>
+      </p:pic>
+    </p:spTree>
+    <p:extLst>
+      <p:ext uri="{BB962C8B-B14F-4D97-AF65-F5344CB8AC3E}">
+        <p14:creationId xmlns:p14="http://schemas.microsoft.com/office/powerpoint/2010/main" val="732703628"/>
+      </p:ext>
+    </p:extLst>
+  </p:cSld>
+  <p:clrMapOvr>
+    <a:masterClrMapping/>
+  </p:clrMapOvr>
+</p:sld>
+</file>
+
+<file path=ppt/slides/slide33.xml><?xml version="1.0" encoding="utf-8"?>
+<p:sld xmlns:a="http://schemas.openxmlformats.org/drawingml/2006/main" xmlns:r="http://schemas.openxmlformats.org/officeDocument/2006/relationships" xmlns:p="http://schemas.openxmlformats.org/presentationml/2006/main">
+  <p:cSld>
+    <p:spTree>
+      <p:nvGrpSpPr>
+        <p:cNvPr id="1" name=""/>
+        <p:cNvGrpSpPr/>
+        <p:nvPr/>
+      </p:nvGrpSpPr>
+      <p:grpSpPr>
+        <a:xfrm>
+          <a:off x="0" y="0"/>
+          <a:ext cx="0" cy="0"/>
+          <a:chOff x="0" y="0"/>
+          <a:chExt cx="0" cy="0"/>
+        </a:xfrm>
+      </p:grpSpPr>
+      <p:sp>
+        <p:nvSpPr>
+          <p:cNvPr id="2" name="Content Placeholder 1"/>
+          <p:cNvSpPr>
+            <a:spLocks noGrp="1"/>
+          </p:cNvSpPr>
+          <p:nvPr>
+            <p:ph idx="1"/>
+          </p:nvPr>
+        </p:nvSpPr>
+        <p:spPr/>
+        <p:txBody>
+          <a:bodyPr/>
+          <a:lstStyle/>
+          <a:p>
+            <a:r>
+              <a:rPr lang="en-US" dirty="0" smtClean="0"/>
+              <a:t>A </a:t>
+            </a:r>
+            <a:r>
+              <a:rPr lang="en-US" dirty="0"/>
+              <a:t>variable that will hold our Cafeteria </a:t>
+            </a:r>
+            <a:r>
+              <a:rPr lang="en-US" dirty="0" smtClean="0"/>
+              <a:t>object</a:t>
+            </a:r>
+          </a:p>
+          <a:p>
+            <a:pPr lvl="1"/>
+            <a:r>
+              <a:rPr lang="en-US" dirty="0" smtClean="0"/>
+              <a:t>This will contain a </a:t>
+            </a:r>
+            <a:r>
+              <a:rPr lang="en-US" dirty="0"/>
+              <a:t>List of Stations </a:t>
+            </a:r>
+          </a:p>
+          <a:p>
+            <a:r>
+              <a:rPr lang="en-US" dirty="0"/>
+              <a:t>A variable to make our </a:t>
+            </a:r>
+            <a:r>
+              <a:rPr lang="en-US" dirty="0" err="1"/>
+              <a:t>CafeteriaService</a:t>
+            </a:r>
+            <a:r>
+              <a:rPr lang="en-US" dirty="0"/>
+              <a:t> Calls</a:t>
+            </a:r>
+          </a:p>
+          <a:p>
+            <a:endParaRPr lang="en-US" dirty="0"/>
+          </a:p>
+        </p:txBody>
+      </p:sp>
+      <p:sp>
+        <p:nvSpPr>
+          <p:cNvPr id="3" name="Title 2"/>
+          <p:cNvSpPr>
+            <a:spLocks noGrp="1"/>
+          </p:cNvSpPr>
+          <p:nvPr>
+            <p:ph type="title"/>
+          </p:nvPr>
+        </p:nvSpPr>
+        <p:spPr/>
+        <p:txBody>
+          <a:bodyPr/>
+          <a:lstStyle/>
+          <a:p>
+            <a:r>
+              <a:rPr lang="en-US" dirty="0"/>
+              <a:t> Information page | </a:t>
+            </a:r>
+            <a:r>
+              <a:rPr lang="en-US" dirty="0" err="1" smtClean="0"/>
+              <a:t>CafeteriaMenuPage</a:t>
+            </a:r>
+            <a:endParaRPr lang="en-US" dirty="0"/>
+          </a:p>
+        </p:txBody>
+      </p:sp>
+      <p:sp>
+        <p:nvSpPr>
+          <p:cNvPr id="5" name="TextBox 4"/>
+          <p:cNvSpPr txBox="1"/>
+          <p:nvPr/>
+        </p:nvSpPr>
+        <p:spPr>
+          <a:xfrm>
+            <a:off x="201011" y="4401834"/>
+            <a:ext cx="2593428" cy="261610"/>
+          </a:xfrm>
+          <a:prstGeom prst="rect">
+            <a:avLst/>
+          </a:prstGeom>
+          <a:noFill/>
+        </p:spPr>
+        <p:txBody>
+          <a:bodyPr wrap="square" rtlCol="0">
+            <a:spAutoFit/>
+          </a:bodyPr>
+          <a:lstStyle/>
+          <a:p>
+            <a:r>
+              <a:rPr lang="en-US" sz="1100" i="1" dirty="0" err="1" smtClean="0"/>
+              <a:t>CafeteriaMenuPage.xaml.cs</a:t>
+            </a:r>
+            <a:endParaRPr lang="en-US" sz="1100" i="1" dirty="0"/>
+          </a:p>
+        </p:txBody>
+      </p:sp>
+      <p:pic>
+        <p:nvPicPr>
+          <p:cNvPr id="4" name="Picture 3"/>
+          <p:cNvPicPr>
+            <a:picLocks noChangeAspect="1"/>
+          </p:cNvPicPr>
+          <p:nvPr/>
+        </p:nvPicPr>
+        <p:blipFill>
+          <a:blip r:embed="rId2">
+            <a:extLst>
+              <a:ext uri="{28A0092B-C50C-407E-A947-70E740481C1C}">
+                <a14:useLocalDpi xmlns:a14="http://schemas.microsoft.com/office/drawing/2010/main" val="0"/>
+              </a:ext>
+            </a:extLst>
+          </a:blip>
+          <a:stretch>
+            <a:fillRect/>
+          </a:stretch>
+        </p:blipFill>
+        <p:spPr>
+          <a:xfrm>
+            <a:off x="1837783" y="2643519"/>
+            <a:ext cx="5156200" cy="1574800"/>
+          </a:xfrm>
+          <a:prstGeom prst="rect">
+            <a:avLst/>
+          </a:prstGeom>
+        </p:spPr>
+      </p:pic>
+    </p:spTree>
+    <p:extLst>
+      <p:ext uri="{BB962C8B-B14F-4D97-AF65-F5344CB8AC3E}">
+        <p14:creationId xmlns:p14="http://schemas.microsoft.com/office/powerpoint/2010/main" val="1209700406"/>
+      </p:ext>
+    </p:extLst>
+  </p:cSld>
+  <p:clrMapOvr>
+    <a:masterClrMapping/>
+  </p:clrMapOvr>
+</p:sld>
+</file>
+
 <file path=ppt/slides/slide34.xml><?xml version="1.0" encoding="utf-8"?>
 <p:sld xmlns:a="http://schemas.openxmlformats.org/drawingml/2006/main" xmlns:r="http://schemas.openxmlformats.org/officeDocument/2006/relationships" xmlns:p="http://schemas.openxmlformats.org/presentationml/2006/main">
   <p:cSld>
@@ -7079,34 +7182,6 @@
       </p:grpSpPr>
       <p:sp>
         <p:nvSpPr>
-          <p:cNvPr id="2" name="Content Placeholder 1"/>
-          <p:cNvSpPr>
-            <a:spLocks noGrp="1"/>
-          </p:cNvSpPr>
-          <p:nvPr>
-            <p:ph idx="1"/>
-          </p:nvPr>
-        </p:nvSpPr>
-        <p:spPr/>
-        <p:txBody>
-          <a:bodyPr/>
-          <a:lstStyle/>
-          <a:p>
-            <a:r>
-              <a:rPr lang="en-US" dirty="0"/>
-              <a:t>Constructor, handling user selection </a:t>
-            </a:r>
-          </a:p>
-          <a:p>
-            <a:endParaRPr lang="en-US" dirty="0"/>
-          </a:p>
-          <a:p>
-            <a:endParaRPr lang="en-US" dirty="0"/>
-          </a:p>
-        </p:txBody>
-      </p:sp>
-      <p:sp>
-        <p:nvSpPr>
           <p:cNvPr id="3" name="Title 2"/>
           <p:cNvSpPr>
             <a:spLocks noGrp="1"/>
@@ -7122,13 +7197,100 @@
           <a:p>
             <a:r>
               <a:rPr lang="en-US" dirty="0"/>
-              <a:t>Main page | </a:t>
-            </a:r>
-            <a:r>
-              <a:rPr lang="en-US" dirty="0" err="1"/>
-              <a:t>CafeteriaApplicationPage</a:t>
+              <a:t> Information page | </a:t>
+            </a:r>
+            <a:r>
+              <a:rPr lang="en-US" dirty="0" err="1" smtClean="0"/>
+              <a:t>CafeteriaMenuPage</a:t>
             </a:r>
             <a:endParaRPr lang="en-US" dirty="0"/>
+          </a:p>
+        </p:txBody>
+      </p:sp>
+      <p:sp>
+        <p:nvSpPr>
+          <p:cNvPr id="5" name="Content Placeholder 4"/>
+          <p:cNvSpPr>
+            <a:spLocks noGrp="1"/>
+          </p:cNvSpPr>
+          <p:nvPr>
+            <p:ph idx="1"/>
+          </p:nvPr>
+        </p:nvSpPr>
+        <p:spPr/>
+        <p:txBody>
+          <a:bodyPr/>
+          <a:lstStyle/>
+          <a:p>
+            <a:r>
+              <a:rPr lang="en-US" sz="1800" dirty="0"/>
+              <a:t>Constructor</a:t>
+            </a:r>
+          </a:p>
+          <a:p>
+            <a:pPr lvl="1"/>
+            <a:r>
+              <a:rPr lang="en-US" sz="1800" dirty="0"/>
+              <a:t>Will take in a Cafeteria object from root </a:t>
+            </a:r>
+            <a:r>
+              <a:rPr lang="en-US" sz="1800" dirty="0" smtClean="0"/>
+              <a:t>page, Assign it to our Cafeteria Property</a:t>
+            </a:r>
+          </a:p>
+          <a:p>
+            <a:pPr lvl="1"/>
+            <a:r>
+              <a:rPr lang="en-US" sz="1800" dirty="0" smtClean="0"/>
+              <a:t>Load our Data</a:t>
+            </a:r>
+          </a:p>
+          <a:p>
+            <a:pPr lvl="1"/>
+            <a:r>
+              <a:rPr lang="en-US" sz="1800" dirty="0" smtClean="0"/>
+              <a:t>We will connect our View to our Cafeteria property</a:t>
+            </a:r>
+          </a:p>
+          <a:p>
+            <a:pPr marL="457200" lvl="1" indent="0">
+              <a:buNone/>
+            </a:pPr>
+            <a:endParaRPr lang="en-US" sz="1800" dirty="0" smtClean="0"/>
+          </a:p>
+          <a:p>
+            <a:pPr lvl="1"/>
+            <a:endParaRPr lang="en-US" sz="2400" dirty="0"/>
+          </a:p>
+        </p:txBody>
+      </p:sp>
+      <p:sp>
+        <p:nvSpPr>
+          <p:cNvPr id="6" name="TextBox 5"/>
+          <p:cNvSpPr txBox="1"/>
+          <p:nvPr/>
+        </p:nvSpPr>
+        <p:spPr>
+          <a:xfrm>
+            <a:off x="201011" y="4401834"/>
+            <a:ext cx="2593428" cy="261610"/>
+          </a:xfrm>
+          <a:prstGeom prst="rect">
+            <a:avLst/>
+          </a:prstGeom>
+          <a:noFill/>
+        </p:spPr>
+        <p:txBody>
+          <a:bodyPr wrap="square" rtlCol="0">
+            <a:spAutoFit/>
+          </a:bodyPr>
+          <a:lstStyle/>
+          <a:p>
+            <a:r>
+              <a:rPr lang="en-US" sz="1100" i="1" dirty="0" err="1" smtClean="0"/>
+              <a:t>CafeteriaMenuPage.xaml.cs</a:t>
+            </a:r>
+            <a:endParaRPr lang="en-US" sz="1100" i="1" dirty="0"/>
           </a:p>
         </p:txBody>
       </p:sp>
@@ -7154,48 +7316,18 @@
         </p:blipFill>
         <p:spPr>
           <a:xfrm>
-            <a:off x="800406" y="1609251"/>
-            <a:ext cx="7551382" cy="2870678"/>
+            <a:off x="3345367" y="2564067"/>
+            <a:ext cx="4371277" cy="2301611"/>
           </a:xfrm>
           <a:prstGeom prst="rect">
             <a:avLst/>
           </a:prstGeom>
         </p:spPr>
       </p:pic>
-      <p:sp>
-        <p:nvSpPr>
-          <p:cNvPr id="5" name="TextBox 4"/>
-          <p:cNvSpPr txBox="1"/>
-          <p:nvPr/>
-        </p:nvSpPr>
-        <p:spPr>
-          <a:xfrm>
-            <a:off x="201011" y="4401834"/>
-            <a:ext cx="2593428" cy="261610"/>
-          </a:xfrm>
-          <a:prstGeom prst="rect">
-            <a:avLst/>
-          </a:prstGeom>
-          <a:noFill/>
-        </p:spPr>
-        <p:txBody>
-          <a:bodyPr wrap="square" rtlCol="0">
-            <a:spAutoFit/>
-          </a:bodyPr>
-          <a:lstStyle/>
-          <a:p>
-            <a:r>
-              <a:rPr lang="en-US" sz="1100" i="1" dirty="0" err="1"/>
-              <a:t>CafeteriaApplicationPage.xaml.cs</a:t>
-            </a:r>
-            <a:endParaRPr lang="en-US" sz="1100" i="1" dirty="0"/>
-          </a:p>
-        </p:txBody>
-      </p:sp>
     </p:spTree>
     <p:extLst>
       <p:ext uri="{BB962C8B-B14F-4D97-AF65-F5344CB8AC3E}">
-        <p14:creationId xmlns:p14="http://schemas.microsoft.com/office/powerpoint/2010/main" val="732703628"/>
+        <p14:creationId xmlns:p14="http://schemas.microsoft.com/office/powerpoint/2010/main" val="1106338543"/>
       </p:ext>
     </p:extLst>
   </p:cSld>
@@ -7224,65 +7356,6 @@
       </p:grpSpPr>
       <p:sp>
         <p:nvSpPr>
-          <p:cNvPr id="2" name="Content Placeholder 1"/>
-          <p:cNvSpPr>
-            <a:spLocks noGrp="1"/>
-          </p:cNvSpPr>
-          <p:nvPr>
-            <p:ph idx="1"/>
-          </p:nvPr>
-        </p:nvSpPr>
-        <p:spPr/>
-        <p:txBody>
-          <a:bodyPr/>
-          <a:lstStyle/>
-          <a:p>
-            <a:r>
-              <a:rPr lang="en-US" dirty="0" smtClean="0"/>
-              <a:t>A </a:t>
-            </a:r>
-            <a:r>
-              <a:rPr lang="en-US" dirty="0"/>
-              <a:t>variable that will hold our Cafeteria </a:t>
-            </a:r>
-            <a:r>
-              <a:rPr lang="en-US" dirty="0" smtClean="0"/>
-              <a:t>object</a:t>
-            </a:r>
-          </a:p>
-          <a:p>
-            <a:pPr lvl="1"/>
-            <a:r>
-              <a:rPr lang="en-US" dirty="0" smtClean="0"/>
-              <a:t>This will contain a </a:t>
-            </a:r>
-            <a:r>
-              <a:rPr lang="en-US" dirty="0"/>
-              <a:t>List of Stations </a:t>
-            </a:r>
-            <a:endParaRPr lang="en-US" dirty="0"/>
-          </a:p>
-          <a:p>
-            <a:r>
-              <a:rPr lang="en-US" dirty="0"/>
-              <a:t>A variable to make our </a:t>
-            </a:r>
-            <a:r>
-              <a:rPr lang="en-US" dirty="0" err="1"/>
-              <a:t>CafeteriaService</a:t>
-            </a:r>
-            <a:r>
-              <a:rPr lang="en-US" dirty="0"/>
-              <a:t> Calls</a:t>
-            </a:r>
-          </a:p>
-          <a:p>
-            <a:endParaRPr lang="en-US" dirty="0"/>
-          </a:p>
-        </p:txBody>
-      </p:sp>
-      <p:sp>
-        <p:nvSpPr>
           <p:cNvPr id="3" name="Title 2"/>
           <p:cNvSpPr>
             <a:spLocks noGrp="1"/>
@@ -7301,8 +7374,8 @@
               <a:t> Information page | </a:t>
             </a:r>
             <a:r>
-              <a:rPr lang="en-US" dirty="0" err="1"/>
-              <a:t>CafeteriaApplicationMenuPage</a:t>
+              <a:rPr lang="en-US" dirty="0" err="1" smtClean="0"/>
+              <a:t>CafeteriaMenuPage</a:t>
             </a:r>
             <a:endParaRPr lang="en-US" dirty="0"/>
           </a:p>
@@ -7310,7 +7383,42 @@
       </p:sp>
       <p:sp>
         <p:nvSpPr>
-          <p:cNvPr id="5" name="TextBox 4"/>
+          <p:cNvPr id="5" name="Content Placeholder 4"/>
+          <p:cNvSpPr>
+            <a:spLocks noGrp="1"/>
+          </p:cNvSpPr>
+          <p:nvPr>
+            <p:ph idx="1"/>
+          </p:nvPr>
+        </p:nvSpPr>
+        <p:spPr/>
+        <p:txBody>
+          <a:bodyPr/>
+          <a:lstStyle/>
+          <a:p>
+            <a:r>
+              <a:rPr lang="en-US" sz="2000" dirty="0" smtClean="0"/>
+              <a:t>Load Cafeteria Data</a:t>
+            </a:r>
+          </a:p>
+          <a:p>
+            <a:r>
+              <a:rPr lang="en-US" sz="2000" dirty="0" smtClean="0"/>
+              <a:t>Use our service to call the feed with our cafeteria object</a:t>
+            </a:r>
+          </a:p>
+          <a:p>
+            <a:endParaRPr lang="en-US" sz="2000" dirty="0"/>
+          </a:p>
+          <a:p>
+            <a:pPr lvl="1"/>
+            <a:endParaRPr lang="en-US" dirty="0"/>
+          </a:p>
+        </p:txBody>
+      </p:sp>
+      <p:sp>
+        <p:nvSpPr>
+          <p:cNvPr id="6" name="TextBox 5"/>
           <p:cNvSpPr txBox="1"/>
           <p:nvPr/>
         </p:nvSpPr>
@@ -7331,8 +7439,8 @@
           <a:lstStyle/>
           <a:p>
             <a:r>
-              <a:rPr lang="en-US" sz="1100" i="1" dirty="0" err="1"/>
-              <a:t>CafeteriaApplicationMenuPage.xaml.cs</a:t>
+              <a:rPr lang="en-US" sz="1100" i="1" dirty="0" err="1" smtClean="0"/>
+              <a:t>CafeteriaMenuPage.xaml.cs</a:t>
             </a:r>
             <a:endParaRPr lang="en-US" sz="1100" i="1" dirty="0"/>
           </a:p>
@@ -7340,7 +7448,7 @@
       </p:sp>
       <p:pic>
         <p:nvPicPr>
-          <p:cNvPr id="6" name="Picture 5"/>
+          <p:cNvPr id="4" name="Picture 3"/>
           <p:cNvPicPr>
             <a:picLocks noChangeAspect="1"/>
           </p:cNvPicPr>
@@ -7360,8 +7468,8 @@
         </p:blipFill>
         <p:spPr>
           <a:xfrm>
-            <a:off x="1220951" y="2793052"/>
-            <a:ext cx="6197600" cy="1308100"/>
+            <a:off x="614418" y="2384413"/>
+            <a:ext cx="5905500" cy="1219200"/>
           </a:xfrm>
           <a:prstGeom prst="rect">
             <a:avLst/>
@@ -7371,7 +7479,7 @@
     </p:spTree>
     <p:extLst>
       <p:ext uri="{BB962C8B-B14F-4D97-AF65-F5344CB8AC3E}">
-        <p14:creationId xmlns:p14="http://schemas.microsoft.com/office/powerpoint/2010/main" val="1209700406"/>
+        <p14:creationId xmlns:p14="http://schemas.microsoft.com/office/powerpoint/2010/main" val="1612019220"/>
       </p:ext>
     </p:extLst>
   </p:cSld>
@@ -7418,8 +7526,8 @@
               <a:t> Information page | </a:t>
             </a:r>
             <a:r>
-              <a:rPr lang="en-US" dirty="0" err="1"/>
-              <a:t>CafeteriaApplicationMenuPage</a:t>
+              <a:rPr lang="en-US" dirty="0" err="1" smtClean="0"/>
+              <a:t>CafeteriaMenuPage</a:t>
             </a:r>
             <a:endParaRPr lang="en-US" dirty="0"/>
           </a:p>
@@ -7441,35 +7549,45 @@
           <a:lstStyle/>
           <a:p>
             <a:r>
-              <a:rPr lang="en-US" sz="2000" dirty="0"/>
-              <a:t>Constructor</a:t>
-            </a:r>
-          </a:p>
-          <a:p>
-            <a:pPr lvl="1"/>
-            <a:r>
-              <a:rPr lang="en-US" sz="2000" dirty="0"/>
-              <a:t>Will take in a Cafeteria object from root page </a:t>
-            </a:r>
-          </a:p>
-          <a:p>
-            <a:pPr lvl="1"/>
-            <a:r>
-              <a:rPr lang="en-US" sz="2000" dirty="0" smtClean="0"/>
-              <a:t>Assign it to our Cafeteria Property</a:t>
-            </a:r>
-          </a:p>
-          <a:p>
-            <a:pPr lvl="1"/>
-            <a:r>
-              <a:rPr lang="en-US" sz="2000" dirty="0" smtClean="0"/>
-              <a:t>We will connect our View to our Cafeteria property</a:t>
-            </a:r>
-            <a:endParaRPr lang="en-US" sz="2000" dirty="0" smtClean="0"/>
-          </a:p>
-          <a:p>
-            <a:pPr lvl="1"/>
+              <a:rPr lang="en-US" dirty="0" smtClean="0"/>
+              <a:t>Bind the page Title to our Cafeteria Name</a:t>
+            </a:r>
+          </a:p>
+          <a:p>
+            <a:endParaRPr lang="en-US" dirty="0" smtClean="0"/>
+          </a:p>
+          <a:p>
             <a:endParaRPr lang="en-US" dirty="0"/>
+          </a:p>
+        </p:txBody>
+      </p:sp>
+      <p:sp>
+        <p:nvSpPr>
+          <p:cNvPr id="6" name="TextBox 5"/>
+          <p:cNvSpPr txBox="1"/>
+          <p:nvPr/>
+        </p:nvSpPr>
+        <p:spPr>
+          <a:xfrm>
+            <a:off x="201011" y="4401834"/>
+            <a:ext cx="2593428" cy="261610"/>
+          </a:xfrm>
+          <a:prstGeom prst="rect">
+            <a:avLst/>
+          </a:prstGeom>
+          <a:noFill/>
+        </p:spPr>
+        <p:txBody>
+          <a:bodyPr wrap="square" rtlCol="0">
+            <a:spAutoFit/>
+          </a:bodyPr>
+          <a:lstStyle/>
+          <a:p>
+            <a:r>
+              <a:rPr lang="en-US" sz="1100" i="1" dirty="0" err="1" smtClean="0"/>
+              <a:t>CafeteriaMenuPage.xaml</a:t>
+            </a:r>
+            <a:endParaRPr lang="en-US" sz="1100" i="1" dirty="0"/>
           </a:p>
         </p:txBody>
       </p:sp>
@@ -7495,48 +7613,18 @@
         </p:blipFill>
         <p:spPr>
           <a:xfrm>
-            <a:off x="4132202" y="2585545"/>
-            <a:ext cx="4784783" cy="1894384"/>
+            <a:off x="1090651" y="2150327"/>
+            <a:ext cx="6070600" cy="1320800"/>
           </a:xfrm>
           <a:prstGeom prst="rect">
             <a:avLst/>
           </a:prstGeom>
         </p:spPr>
       </p:pic>
-      <p:sp>
-        <p:nvSpPr>
-          <p:cNvPr id="6" name="TextBox 5"/>
-          <p:cNvSpPr txBox="1"/>
-          <p:nvPr/>
-        </p:nvSpPr>
-        <p:spPr>
-          <a:xfrm>
-            <a:off x="201011" y="4401834"/>
-            <a:ext cx="2593428" cy="261610"/>
-          </a:xfrm>
-          <a:prstGeom prst="rect">
-            <a:avLst/>
-          </a:prstGeom>
-          <a:noFill/>
-        </p:spPr>
-        <p:txBody>
-          <a:bodyPr wrap="square" rtlCol="0">
-            <a:spAutoFit/>
-          </a:bodyPr>
-          <a:lstStyle/>
-          <a:p>
-            <a:r>
-              <a:rPr lang="en-US" sz="1100" i="1" dirty="0" err="1"/>
-              <a:t>CafeteriaApplicationMenuPage.xaml.cs</a:t>
-            </a:r>
-            <a:endParaRPr lang="en-US" sz="1100" i="1" dirty="0"/>
-          </a:p>
-        </p:txBody>
-      </p:sp>
     </p:spTree>
     <p:extLst>
       <p:ext uri="{BB962C8B-B14F-4D97-AF65-F5344CB8AC3E}">
-        <p14:creationId xmlns:p14="http://schemas.microsoft.com/office/powerpoint/2010/main" val="1106338543"/>
+        <p14:creationId xmlns:p14="http://schemas.microsoft.com/office/powerpoint/2010/main" val="2053347989"/>
       </p:ext>
     </p:extLst>
   </p:cSld>
@@ -7583,8 +7671,8 @@
               <a:t> Information page | </a:t>
             </a:r>
             <a:r>
-              <a:rPr lang="en-US" dirty="0" err="1"/>
-              <a:t>CafeteriaApplicationMenuPage</a:t>
+              <a:rPr lang="en-US" dirty="0" err="1" smtClean="0"/>
+              <a:t>CafeteriaMenuPage</a:t>
             </a:r>
             <a:endParaRPr lang="en-US" dirty="0"/>
           </a:p>
@@ -7607,50 +7695,37 @@
           <a:p>
             <a:r>
               <a:rPr lang="en-US" dirty="0" smtClean="0"/>
-              <a:t>Bind the page Title to our Cafeteria Name</a:t>
-            </a:r>
-          </a:p>
-          <a:p>
-            <a:endParaRPr lang="en-US" dirty="0" smtClean="0"/>
+              <a:t>Our </a:t>
+            </a:r>
+            <a:r>
+              <a:rPr lang="en-US" dirty="0" err="1" smtClean="0"/>
+              <a:t>ListView</a:t>
+            </a:r>
+            <a:r>
+              <a:rPr lang="en-US" dirty="0" smtClean="0"/>
+              <a:t> will be bound to our cafeteria’s stations</a:t>
+            </a:r>
+          </a:p>
+          <a:p>
+            <a:r>
+              <a:rPr lang="en-US" dirty="0" smtClean="0"/>
+              <a:t>Our Rows will contain all items for a given mean</a:t>
+            </a:r>
+          </a:p>
+          <a:p>
+            <a:r>
+              <a:rPr lang="en-US" dirty="0" smtClean="0"/>
+              <a:t>We want grouping, our group headers will be our station names</a:t>
+            </a:r>
           </a:p>
           <a:p>
             <a:endParaRPr lang="en-US" dirty="0"/>
-          </a:p>
-        </p:txBody>
-      </p:sp>
-      <p:sp>
-        <p:nvSpPr>
-          <p:cNvPr id="6" name="TextBox 5"/>
-          <p:cNvSpPr txBox="1"/>
-          <p:nvPr/>
-        </p:nvSpPr>
-        <p:spPr>
-          <a:xfrm>
-            <a:off x="201011" y="4401834"/>
-            <a:ext cx="2593428" cy="261610"/>
-          </a:xfrm>
-          <a:prstGeom prst="rect">
-            <a:avLst/>
-          </a:prstGeom>
-          <a:noFill/>
-        </p:spPr>
-        <p:txBody>
-          <a:bodyPr wrap="square" rtlCol="0">
-            <a:spAutoFit/>
-          </a:bodyPr>
-          <a:lstStyle/>
-          <a:p>
-            <a:r>
-              <a:rPr lang="en-US" sz="1100" i="1" dirty="0" err="1" smtClean="0"/>
-              <a:t>CafeteriaApplicationMenuPage.xaml</a:t>
-            </a:r>
-            <a:endParaRPr lang="en-US" sz="1100" i="1" dirty="0"/>
           </a:p>
         </p:txBody>
       </p:sp>
       <p:pic>
         <p:nvPicPr>
-          <p:cNvPr id="7" name="Picture 6"/>
+          <p:cNvPr id="6" name="Picture 5"/>
           <p:cNvPicPr>
             <a:picLocks noChangeAspect="1"/>
           </p:cNvPicPr>
@@ -7670,18 +7745,48 @@
         </p:blipFill>
         <p:spPr>
           <a:xfrm>
-            <a:off x="701576" y="2060563"/>
-            <a:ext cx="7747000" cy="1435100"/>
+            <a:off x="1567981" y="2702721"/>
+            <a:ext cx="5092700" cy="1600200"/>
           </a:xfrm>
           <a:prstGeom prst="rect">
             <a:avLst/>
           </a:prstGeom>
         </p:spPr>
       </p:pic>
+      <p:sp>
+        <p:nvSpPr>
+          <p:cNvPr id="7" name="TextBox 6"/>
+          <p:cNvSpPr txBox="1"/>
+          <p:nvPr/>
+        </p:nvSpPr>
+        <p:spPr>
+          <a:xfrm>
+            <a:off x="201011" y="4401834"/>
+            <a:ext cx="2593428" cy="261610"/>
+          </a:xfrm>
+          <a:prstGeom prst="rect">
+            <a:avLst/>
+          </a:prstGeom>
+          <a:noFill/>
+        </p:spPr>
+        <p:txBody>
+          <a:bodyPr wrap="square" rtlCol="0">
+            <a:spAutoFit/>
+          </a:bodyPr>
+          <a:lstStyle/>
+          <a:p>
+            <a:r>
+              <a:rPr lang="en-US" sz="1100" i="1" dirty="0" err="1" smtClean="0"/>
+              <a:t>CafeteriaMenuPage.xaml</a:t>
+            </a:r>
+            <a:endParaRPr lang="en-US" sz="1100" i="1" dirty="0"/>
+          </a:p>
+        </p:txBody>
+      </p:sp>
     </p:spTree>
     <p:extLst>
       <p:ext uri="{BB962C8B-B14F-4D97-AF65-F5344CB8AC3E}">
-        <p14:creationId xmlns:p14="http://schemas.microsoft.com/office/powerpoint/2010/main" val="2053347989"/>
+        <p14:creationId xmlns:p14="http://schemas.microsoft.com/office/powerpoint/2010/main" val="1154796766"/>
       </p:ext>
     </p:extLst>
   </p:cSld>
@@ -7724,12 +7829,8 @@
           <a:lstStyle/>
           <a:p>
             <a:r>
-              <a:rPr lang="en-US" dirty="0"/>
-              <a:t> Information page | </a:t>
-            </a:r>
-            <a:r>
-              <a:rPr lang="en-US" dirty="0" err="1"/>
-              <a:t>CafeteriaApplicationMenuPage</a:t>
+              <a:rPr lang="en-US" dirty="0" smtClean="0"/>
+              <a:t>Pulling down the Data</a:t>
             </a:r>
             <a:endParaRPr lang="en-US" dirty="0"/>
           </a:p>
@@ -7751,42 +7852,76 @@
           <a:lstStyle/>
           <a:p>
             <a:r>
-              <a:rPr lang="en-US" dirty="0" smtClean="0"/>
-              <a:t>Our </a:t>
-            </a:r>
-            <a:r>
-              <a:rPr lang="en-US" dirty="0" err="1" smtClean="0"/>
-              <a:t>ListView</a:t>
-            </a:r>
-            <a:r>
-              <a:rPr lang="en-US" dirty="0" smtClean="0"/>
-              <a:t> will be bound to our cafeteria’s stations</a:t>
-            </a:r>
-          </a:p>
-          <a:p>
-            <a:r>
-              <a:rPr lang="en-US" dirty="0" smtClean="0"/>
-              <a:t>Our Rows will contai</a:t>
-            </a:r>
-            <a:r>
-              <a:rPr lang="en-US" dirty="0" smtClean="0"/>
-              <a:t>n all items for a given mean</a:t>
-            </a:r>
-          </a:p>
-          <a:p>
-            <a:r>
-              <a:rPr lang="en-US" dirty="0" smtClean="0"/>
-              <a:t>We want grouping, our group headers will be our station names</a:t>
-            </a:r>
-          </a:p>
-          <a:p>
+              <a:rPr lang="en-US" sz="2000" dirty="0" err="1" smtClean="0"/>
+              <a:t>CafeteriaService.GetCafeteria</a:t>
+            </a:r>
+            <a:r>
+              <a:rPr lang="en-US" sz="2000" dirty="0" smtClean="0"/>
+              <a:t>(Cafeteria)</a:t>
+            </a:r>
+          </a:p>
+          <a:p>
+            <a:endParaRPr lang="en-US" sz="2000" dirty="0" smtClean="0"/>
+          </a:p>
+          <a:p>
+            <a:endParaRPr lang="en-US" sz="2000" dirty="0"/>
+          </a:p>
+          <a:p>
+            <a:endParaRPr lang="en-US" sz="2000" dirty="0" smtClean="0"/>
+          </a:p>
+          <a:p>
+            <a:r>
+              <a:rPr lang="en-US" sz="2000" dirty="0" smtClean="0"/>
+              <a:t>Handle the response</a:t>
+            </a:r>
+            <a:endParaRPr lang="en-US" sz="2000" dirty="0"/>
+          </a:p>
+          <a:p>
+            <a:pPr lvl="1"/>
+            <a:endParaRPr lang="en-US" dirty="0" smtClean="0"/>
+          </a:p>
+          <a:p>
+            <a:pPr lvl="1"/>
             <a:endParaRPr lang="en-US" dirty="0"/>
+          </a:p>
+          <a:p>
+            <a:endParaRPr lang="en-US" dirty="0"/>
+          </a:p>
+        </p:txBody>
+      </p:sp>
+      <p:sp>
+        <p:nvSpPr>
+          <p:cNvPr id="6" name="TextBox 5"/>
+          <p:cNvSpPr txBox="1"/>
+          <p:nvPr/>
+        </p:nvSpPr>
+        <p:spPr>
+          <a:xfrm>
+            <a:off x="201011" y="4401834"/>
+            <a:ext cx="2593428" cy="261610"/>
+          </a:xfrm>
+          <a:prstGeom prst="rect">
+            <a:avLst/>
+          </a:prstGeom>
+          <a:noFill/>
+        </p:spPr>
+        <p:txBody>
+          <a:bodyPr wrap="square" rtlCol="0">
+            <a:spAutoFit/>
+          </a:bodyPr>
+          <a:lstStyle/>
+          <a:p>
+            <a:r>
+              <a:rPr lang="en-US" sz="1100" i="1" dirty="0" err="1" smtClean="0"/>
+              <a:t>CafeteriaService.cs</a:t>
+            </a:r>
+            <a:endParaRPr lang="en-US" sz="1100" i="1" dirty="0"/>
           </a:p>
         </p:txBody>
       </p:sp>
       <p:pic>
         <p:nvPicPr>
-          <p:cNvPr id="6" name="Picture 5"/>
+          <p:cNvPr id="2" name="Picture 1"/>
           <p:cNvPicPr>
             <a:picLocks noChangeAspect="1"/>
           </p:cNvPicPr>
@@ -7806,48 +7941,48 @@
         </p:blipFill>
         <p:spPr>
           <a:xfrm>
-            <a:off x="1567981" y="2702721"/>
-            <a:ext cx="5092700" cy="1600200"/>
+            <a:off x="472966" y="1460545"/>
+            <a:ext cx="8476176" cy="1141815"/>
           </a:xfrm>
           <a:prstGeom prst="rect">
             <a:avLst/>
           </a:prstGeom>
         </p:spPr>
       </p:pic>
-      <p:sp>
-        <p:nvSpPr>
-          <p:cNvPr id="7" name="TextBox 6"/>
-          <p:cNvSpPr txBox="1"/>
+      <p:pic>
+        <p:nvPicPr>
+          <p:cNvPr id="16" name="Picture 15"/>
+          <p:cNvPicPr>
+            <a:picLocks noChangeAspect="1"/>
+          </p:cNvPicPr>
           <p:nvPr/>
-        </p:nvSpPr>
-        <p:spPr>
-          <a:xfrm>
-            <a:off x="201011" y="4401834"/>
-            <a:ext cx="2593428" cy="261610"/>
+        </p:nvPicPr>
+        <p:blipFill>
+          <a:blip r:embed="rId3">
+            <a:extLst>
+              <a:ext uri="{28A0092B-C50C-407E-A947-70E740481C1C}">
+                <a14:useLocalDpi xmlns:a14="http://schemas.microsoft.com/office/drawing/2010/main" val="0"/>
+              </a:ext>
+            </a:extLst>
+          </a:blip>
+          <a:stretch>
+            <a:fillRect/>
+          </a:stretch>
+        </p:blipFill>
+        <p:spPr>
+          <a:xfrm>
+            <a:off x="472966" y="3248152"/>
+            <a:ext cx="5042338" cy="1046017"/>
           </a:xfrm>
           <a:prstGeom prst="rect">
             <a:avLst/>
           </a:prstGeom>
-          <a:noFill/>
-        </p:spPr>
-        <p:txBody>
-          <a:bodyPr wrap="square" rtlCol="0">
-            <a:spAutoFit/>
-          </a:bodyPr>
-          <a:lstStyle/>
-          <a:p>
-            <a:r>
-              <a:rPr lang="en-US" sz="1100" i="1" dirty="0" err="1" smtClean="0"/>
-              <a:t>CafeteriaApplicationMenuPage.xaml</a:t>
-            </a:r>
-            <a:endParaRPr lang="en-US" sz="1100" i="1" dirty="0"/>
-          </a:p>
-        </p:txBody>
-      </p:sp>
+        </p:spPr>
+      </p:pic>
     </p:spTree>
     <p:extLst>
       <p:ext uri="{BB962C8B-B14F-4D97-AF65-F5344CB8AC3E}">
-        <p14:creationId xmlns:p14="http://schemas.microsoft.com/office/powerpoint/2010/main" val="1154796766"/>
+        <p14:creationId xmlns:p14="http://schemas.microsoft.com/office/powerpoint/2010/main" val="1851325730"/>
       </p:ext>
     </p:extLst>
   </p:cSld>
@@ -7890,12 +8025,8 @@
           <a:lstStyle/>
           <a:p>
             <a:r>
-              <a:rPr lang="en-US" dirty="0"/>
-              <a:t> Information page | </a:t>
-            </a:r>
-            <a:r>
-              <a:rPr lang="en-US" dirty="0" err="1"/>
-              <a:t>CafeteriaApplicationMenuPage</a:t>
+              <a:rPr lang="en-US" dirty="0" smtClean="0"/>
+              <a:t>Pulling down the Data</a:t>
             </a:r>
             <a:endParaRPr lang="en-US" dirty="0"/>
           </a:p>
@@ -7918,20 +8049,44 @@
           <a:p>
             <a:r>
               <a:rPr lang="en-US" sz="2000" dirty="0" smtClean="0"/>
-              <a:t>Load Cafeteria Data</a:t>
-            </a:r>
-          </a:p>
-          <a:p>
-            <a:r>
-              <a:rPr lang="en-US" sz="2000" dirty="0" smtClean="0"/>
-              <a:t>Use our service to call the feed with our cafeteria object</a:t>
-            </a:r>
-          </a:p>
-          <a:p>
-            <a:endParaRPr lang="en-US" sz="2000" dirty="0"/>
+              <a:t>Reading the XML</a:t>
+            </a:r>
           </a:p>
           <a:p>
             <a:pPr lvl="1"/>
+            <a:r>
+              <a:rPr lang="en-US" sz="1800" dirty="0" smtClean="0"/>
+              <a:t>Well need to parse out the content from the HTML</a:t>
+            </a:r>
+          </a:p>
+          <a:p>
+            <a:pPr lvl="1"/>
+            <a:r>
+              <a:rPr lang="en-US" sz="1800" dirty="0" smtClean="0"/>
+              <a:t>Items == Stations</a:t>
+            </a:r>
+          </a:p>
+          <a:p>
+            <a:pPr lvl="1"/>
+            <a:r>
+              <a:rPr lang="en-US" sz="1800" dirty="0" smtClean="0"/>
+              <a:t>Well get the stations name, which is </a:t>
+            </a:r>
+            <a:r>
+              <a:rPr lang="en-US" sz="1800" dirty="0" err="1" smtClean="0"/>
+              <a:t>CafName-StationName</a:t>
+            </a:r>
+            <a:endParaRPr lang="en-US" sz="1800" dirty="0"/>
+          </a:p>
+          <a:p>
+            <a:pPr lvl="1"/>
+            <a:endParaRPr lang="en-US" dirty="0" smtClean="0"/>
+          </a:p>
+          <a:p>
+            <a:pPr lvl="1"/>
+            <a:endParaRPr lang="en-US" dirty="0"/>
+          </a:p>
+          <a:p>
             <a:endParaRPr lang="en-US" dirty="0"/>
           </a:p>
         </p:txBody>
@@ -7959,8 +8114,8 @@
           <a:lstStyle/>
           <a:p>
             <a:r>
-              <a:rPr lang="en-US" sz="1100" i="1" dirty="0" err="1"/>
-              <a:t>CafeteriaApplicationMenuPage.xaml.cs</a:t>
+              <a:rPr lang="en-US" sz="1100" i="1" dirty="0" err="1" smtClean="0"/>
+              <a:t>CafeteriaService.cs</a:t>
             </a:r>
             <a:endParaRPr lang="en-US" sz="1100" i="1" dirty="0"/>
           </a:p>
@@ -7968,7 +8123,7 @@
       </p:sp>
       <p:pic>
         <p:nvPicPr>
-          <p:cNvPr id="4" name="Picture 3"/>
+          <p:cNvPr id="7" name="Picture 6"/>
           <p:cNvPicPr>
             <a:picLocks noChangeAspect="1"/>
           </p:cNvPicPr>
@@ -7988,18 +8143,116 @@
         </p:blipFill>
         <p:spPr>
           <a:xfrm>
-            <a:off x="614418" y="2384413"/>
-            <a:ext cx="5905500" cy="1219200"/>
+            <a:off x="359163" y="2852645"/>
+            <a:ext cx="3175173" cy="1431233"/>
           </a:xfrm>
           <a:prstGeom prst="rect">
             <a:avLst/>
           </a:prstGeom>
         </p:spPr>
       </p:pic>
+      <p:pic>
+        <p:nvPicPr>
+          <p:cNvPr id="8" name="Picture 7"/>
+          <p:cNvPicPr>
+            <a:picLocks noChangeAspect="1"/>
+          </p:cNvPicPr>
+          <p:nvPr/>
+        </p:nvPicPr>
+        <p:blipFill>
+          <a:blip r:embed="rId3">
+            <a:extLst>
+              <a:ext uri="{28A0092B-C50C-407E-A947-70E740481C1C}">
+                <a14:useLocalDpi xmlns:a14="http://schemas.microsoft.com/office/drawing/2010/main" val="0"/>
+              </a:ext>
+            </a:extLst>
+          </a:blip>
+          <a:stretch>
+            <a:fillRect/>
+          </a:stretch>
+        </p:blipFill>
+        <p:spPr>
+          <a:xfrm>
+            <a:off x="4863376" y="2702720"/>
+            <a:ext cx="4280623" cy="2054699"/>
+          </a:xfrm>
+          <a:prstGeom prst="rect">
+            <a:avLst/>
+          </a:prstGeom>
+        </p:spPr>
+      </p:pic>
+      <p:cxnSp>
+        <p:nvCxnSpPr>
+          <p:cNvPr id="10" name="Straight Arrow Connector 9"/>
+          <p:cNvCxnSpPr/>
+          <p:nvPr/>
+        </p:nvCxnSpPr>
+        <p:spPr>
+          <a:xfrm flipV="1">
+            <a:off x="2480441" y="3363312"/>
+            <a:ext cx="2785242" cy="204949"/>
+          </a:xfrm>
+          <a:prstGeom prst="straightConnector1">
+            <a:avLst/>
+          </a:prstGeom>
+          <a:ln>
+            <a:headEnd type="triangle"/>
+            <a:tailEnd type="triangle"/>
+          </a:ln>
+        </p:spPr>
+        <p:style>
+          <a:lnRef idx="2">
+            <a:schemeClr val="dk1"/>
+          </a:lnRef>
+          <a:fillRef idx="0">
+            <a:schemeClr val="dk1"/>
+          </a:fillRef>
+          <a:effectRef idx="1">
+            <a:schemeClr val="dk1"/>
+          </a:effectRef>
+          <a:fontRef idx="minor">
+            <a:schemeClr val="tx1"/>
+          </a:fontRef>
+        </p:style>
+      </p:cxnSp>
+      <p:cxnSp>
+        <p:nvCxnSpPr>
+          <p:cNvPr id="13" name="Straight Arrow Connector 12"/>
+          <p:cNvCxnSpPr/>
+          <p:nvPr/>
+        </p:nvCxnSpPr>
+        <p:spPr>
+          <a:xfrm flipV="1">
+            <a:off x="2638097" y="3457904"/>
+            <a:ext cx="2438400" cy="666440"/>
+          </a:xfrm>
+          <a:prstGeom prst="straightConnector1">
+            <a:avLst/>
+          </a:prstGeom>
+          <a:ln>
+            <a:headEnd type="triangle"/>
+            <a:tailEnd type="triangle"/>
+          </a:ln>
+        </p:spPr>
+        <p:style>
+          <a:lnRef idx="2">
+            <a:schemeClr val="dk1"/>
+          </a:lnRef>
+          <a:fillRef idx="0">
+            <a:schemeClr val="dk1"/>
+          </a:fillRef>
+          <a:effectRef idx="1">
+            <a:schemeClr val="dk1"/>
+          </a:effectRef>
+          <a:fontRef idx="minor">
+            <a:schemeClr val="tx1"/>
+          </a:fontRef>
+        </p:style>
+      </p:cxnSp>
     </p:spTree>
     <p:extLst>
       <p:ext uri="{BB962C8B-B14F-4D97-AF65-F5344CB8AC3E}">
-        <p14:creationId xmlns:p14="http://schemas.microsoft.com/office/powerpoint/2010/main" val="1612019220"/>
+        <p14:creationId xmlns:p14="http://schemas.microsoft.com/office/powerpoint/2010/main" val="786310369"/>
       </p:ext>
     </p:extLst>
   </p:cSld>
@@ -8205,480 +8458,6 @@
           <a:lstStyle/>
           <a:p>
             <a:r>
-              <a:rPr lang="en-US" sz="2000" dirty="0" err="1" smtClean="0"/>
-              <a:t>CafeteriaService.GetCafeteria</a:t>
-            </a:r>
-            <a:r>
-              <a:rPr lang="en-US" sz="2000" dirty="0" smtClean="0"/>
-              <a:t>(Cafeteria)</a:t>
-            </a:r>
-          </a:p>
-          <a:p>
-            <a:endParaRPr lang="en-US" sz="2000" dirty="0" smtClean="0"/>
-          </a:p>
-          <a:p>
-            <a:endParaRPr lang="en-US" sz="2000" dirty="0"/>
-          </a:p>
-          <a:p>
-            <a:endParaRPr lang="en-US" sz="2000" dirty="0" smtClean="0"/>
-          </a:p>
-          <a:p>
-            <a:r>
-              <a:rPr lang="en-US" sz="2000" dirty="0" smtClean="0"/>
-              <a:t>Handle the response</a:t>
-            </a:r>
-            <a:endParaRPr lang="en-US" sz="2000" dirty="0"/>
-          </a:p>
-          <a:p>
-            <a:pPr lvl="1"/>
-            <a:endParaRPr lang="en-US" dirty="0" smtClean="0"/>
-          </a:p>
-          <a:p>
-            <a:pPr lvl="1"/>
-            <a:endParaRPr lang="en-US" dirty="0"/>
-          </a:p>
-          <a:p>
-            <a:endParaRPr lang="en-US" dirty="0"/>
-          </a:p>
-        </p:txBody>
-      </p:sp>
-      <p:sp>
-        <p:nvSpPr>
-          <p:cNvPr id="6" name="TextBox 5"/>
-          <p:cNvSpPr txBox="1"/>
-          <p:nvPr/>
-        </p:nvSpPr>
-        <p:spPr>
-          <a:xfrm>
-            <a:off x="201011" y="4401834"/>
-            <a:ext cx="2593428" cy="261610"/>
-          </a:xfrm>
-          <a:prstGeom prst="rect">
-            <a:avLst/>
-          </a:prstGeom>
-          <a:noFill/>
-        </p:spPr>
-        <p:txBody>
-          <a:bodyPr wrap="square" rtlCol="0">
-            <a:spAutoFit/>
-          </a:bodyPr>
-          <a:lstStyle/>
-          <a:p>
-            <a:r>
-              <a:rPr lang="en-US" sz="1100" i="1" dirty="0" err="1" smtClean="0"/>
-              <a:t>CafeteriaService</a:t>
-            </a:r>
-            <a:r>
-              <a:rPr lang="en-US" sz="1100" i="1" dirty="0" err="1" smtClean="0"/>
-              <a:t>.cs</a:t>
-            </a:r>
-            <a:endParaRPr lang="en-US" sz="1100" i="1" dirty="0"/>
-          </a:p>
-        </p:txBody>
-      </p:sp>
-      <p:pic>
-        <p:nvPicPr>
-          <p:cNvPr id="2" name="Picture 1"/>
-          <p:cNvPicPr>
-            <a:picLocks noChangeAspect="1"/>
-          </p:cNvPicPr>
-          <p:nvPr/>
-        </p:nvPicPr>
-        <p:blipFill>
-          <a:blip r:embed="rId2">
-            <a:extLst>
-              <a:ext uri="{28A0092B-C50C-407E-A947-70E740481C1C}">
-                <a14:useLocalDpi xmlns:a14="http://schemas.microsoft.com/office/drawing/2010/main" val="0"/>
-              </a:ext>
-            </a:extLst>
-          </a:blip>
-          <a:stretch>
-            <a:fillRect/>
-          </a:stretch>
-        </p:blipFill>
-        <p:spPr>
-          <a:xfrm>
-            <a:off x="472966" y="1460545"/>
-            <a:ext cx="8476176" cy="1141815"/>
-          </a:xfrm>
-          <a:prstGeom prst="rect">
-            <a:avLst/>
-          </a:prstGeom>
-        </p:spPr>
-      </p:pic>
-      <p:pic>
-        <p:nvPicPr>
-          <p:cNvPr id="16" name="Picture 15"/>
-          <p:cNvPicPr>
-            <a:picLocks noChangeAspect="1"/>
-          </p:cNvPicPr>
-          <p:nvPr/>
-        </p:nvPicPr>
-        <p:blipFill>
-          <a:blip r:embed="rId3">
-            <a:extLst>
-              <a:ext uri="{28A0092B-C50C-407E-A947-70E740481C1C}">
-                <a14:useLocalDpi xmlns:a14="http://schemas.microsoft.com/office/drawing/2010/main" val="0"/>
-              </a:ext>
-            </a:extLst>
-          </a:blip>
-          <a:stretch>
-            <a:fillRect/>
-          </a:stretch>
-        </p:blipFill>
-        <p:spPr>
-          <a:xfrm>
-            <a:off x="472966" y="3248152"/>
-            <a:ext cx="5042338" cy="1046017"/>
-          </a:xfrm>
-          <a:prstGeom prst="rect">
-            <a:avLst/>
-          </a:prstGeom>
-        </p:spPr>
-      </p:pic>
-    </p:spTree>
-    <p:extLst>
-      <p:ext uri="{BB962C8B-B14F-4D97-AF65-F5344CB8AC3E}">
-        <p14:creationId xmlns:p14="http://schemas.microsoft.com/office/powerpoint/2010/main" val="1851325730"/>
-      </p:ext>
-    </p:extLst>
-  </p:cSld>
-  <p:clrMapOvr>
-    <a:masterClrMapping/>
-  </p:clrMapOvr>
-</p:sld>
-</file>
-
-<file path=ppt/slides/slide41.xml><?xml version="1.0" encoding="utf-8"?>
-<p:sld xmlns:a="http://schemas.openxmlformats.org/drawingml/2006/main" xmlns:r="http://schemas.openxmlformats.org/officeDocument/2006/relationships" xmlns:p="http://schemas.openxmlformats.org/presentationml/2006/main">
-  <p:cSld>
-    <p:spTree>
-      <p:nvGrpSpPr>
-        <p:cNvPr id="1" name=""/>
-        <p:cNvGrpSpPr/>
-        <p:nvPr/>
-      </p:nvGrpSpPr>
-      <p:grpSpPr>
-        <a:xfrm>
-          <a:off x="0" y="0"/>
-          <a:ext cx="0" cy="0"/>
-          <a:chOff x="0" y="0"/>
-          <a:chExt cx="0" cy="0"/>
-        </a:xfrm>
-      </p:grpSpPr>
-      <p:sp>
-        <p:nvSpPr>
-          <p:cNvPr id="3" name="Title 2"/>
-          <p:cNvSpPr>
-            <a:spLocks noGrp="1"/>
-          </p:cNvSpPr>
-          <p:nvPr>
-            <p:ph type="title"/>
-          </p:nvPr>
-        </p:nvSpPr>
-        <p:spPr/>
-        <p:txBody>
-          <a:bodyPr/>
-          <a:lstStyle/>
-          <a:p>
-            <a:r>
-              <a:rPr lang="en-US" dirty="0" smtClean="0"/>
-              <a:t>Pulling down the Data</a:t>
-            </a:r>
-            <a:endParaRPr lang="en-US" dirty="0"/>
-          </a:p>
-        </p:txBody>
-      </p:sp>
-      <p:sp>
-        <p:nvSpPr>
-          <p:cNvPr id="5" name="Content Placeholder 4"/>
-          <p:cNvSpPr>
-            <a:spLocks noGrp="1"/>
-          </p:cNvSpPr>
-          <p:nvPr>
-            <p:ph idx="1"/>
-          </p:nvPr>
-        </p:nvSpPr>
-        <p:spPr/>
-        <p:txBody>
-          <a:bodyPr/>
-          <a:lstStyle/>
-          <a:p>
-            <a:r>
-              <a:rPr lang="en-US" sz="2000" dirty="0" smtClean="0"/>
-              <a:t>Reading the XML</a:t>
-            </a:r>
-          </a:p>
-          <a:p>
-            <a:pPr lvl="1"/>
-            <a:r>
-              <a:rPr lang="en-US" sz="1800" dirty="0" smtClean="0"/>
-              <a:t>Well need to parse out the content from the HTML</a:t>
-            </a:r>
-          </a:p>
-          <a:p>
-            <a:pPr lvl="1"/>
-            <a:r>
-              <a:rPr lang="en-US" sz="1800" dirty="0" smtClean="0"/>
-              <a:t>Items == Stations</a:t>
-            </a:r>
-          </a:p>
-          <a:p>
-            <a:pPr lvl="1"/>
-            <a:r>
-              <a:rPr lang="en-US" sz="1800" dirty="0" smtClean="0"/>
-              <a:t>Well get the stations name, which is </a:t>
-            </a:r>
-            <a:r>
-              <a:rPr lang="en-US" sz="1800" dirty="0" err="1" smtClean="0"/>
-              <a:t>CafName-StationName</a:t>
-            </a:r>
-            <a:endParaRPr lang="en-US" sz="1800" dirty="0"/>
-          </a:p>
-          <a:p>
-            <a:pPr lvl="1"/>
-            <a:endParaRPr lang="en-US" dirty="0" smtClean="0"/>
-          </a:p>
-          <a:p>
-            <a:pPr lvl="1"/>
-            <a:endParaRPr lang="en-US" dirty="0"/>
-          </a:p>
-          <a:p>
-            <a:endParaRPr lang="en-US" dirty="0"/>
-          </a:p>
-        </p:txBody>
-      </p:sp>
-      <p:sp>
-        <p:nvSpPr>
-          <p:cNvPr id="6" name="TextBox 5"/>
-          <p:cNvSpPr txBox="1"/>
-          <p:nvPr/>
-        </p:nvSpPr>
-        <p:spPr>
-          <a:xfrm>
-            <a:off x="201011" y="4401834"/>
-            <a:ext cx="2593428" cy="261610"/>
-          </a:xfrm>
-          <a:prstGeom prst="rect">
-            <a:avLst/>
-          </a:prstGeom>
-          <a:noFill/>
-        </p:spPr>
-        <p:txBody>
-          <a:bodyPr wrap="square" rtlCol="0">
-            <a:spAutoFit/>
-          </a:bodyPr>
-          <a:lstStyle/>
-          <a:p>
-            <a:r>
-              <a:rPr lang="en-US" sz="1100" i="1" dirty="0" err="1" smtClean="0"/>
-              <a:t>CafeteriaService</a:t>
-            </a:r>
-            <a:r>
-              <a:rPr lang="en-US" sz="1100" i="1" dirty="0" err="1" smtClean="0"/>
-              <a:t>.cs</a:t>
-            </a:r>
-            <a:endParaRPr lang="en-US" sz="1100" i="1" dirty="0"/>
-          </a:p>
-        </p:txBody>
-      </p:sp>
-      <p:pic>
-        <p:nvPicPr>
-          <p:cNvPr id="7" name="Picture 6"/>
-          <p:cNvPicPr>
-            <a:picLocks noChangeAspect="1"/>
-          </p:cNvPicPr>
-          <p:nvPr/>
-        </p:nvPicPr>
-        <p:blipFill>
-          <a:blip r:embed="rId2">
-            <a:extLst>
-              <a:ext uri="{28A0092B-C50C-407E-A947-70E740481C1C}">
-                <a14:useLocalDpi xmlns:a14="http://schemas.microsoft.com/office/drawing/2010/main" val="0"/>
-              </a:ext>
-            </a:extLst>
-          </a:blip>
-          <a:stretch>
-            <a:fillRect/>
-          </a:stretch>
-        </p:blipFill>
-        <p:spPr>
-          <a:xfrm>
-            <a:off x="359163" y="2852645"/>
-            <a:ext cx="3175173" cy="1431233"/>
-          </a:xfrm>
-          <a:prstGeom prst="rect">
-            <a:avLst/>
-          </a:prstGeom>
-        </p:spPr>
-      </p:pic>
-      <p:pic>
-        <p:nvPicPr>
-          <p:cNvPr id="8" name="Picture 7"/>
-          <p:cNvPicPr>
-            <a:picLocks noChangeAspect="1"/>
-          </p:cNvPicPr>
-          <p:nvPr/>
-        </p:nvPicPr>
-        <p:blipFill>
-          <a:blip r:embed="rId3">
-            <a:extLst>
-              <a:ext uri="{28A0092B-C50C-407E-A947-70E740481C1C}">
-                <a14:useLocalDpi xmlns:a14="http://schemas.microsoft.com/office/drawing/2010/main" val="0"/>
-              </a:ext>
-            </a:extLst>
-          </a:blip>
-          <a:stretch>
-            <a:fillRect/>
-          </a:stretch>
-        </p:blipFill>
-        <p:spPr>
-          <a:xfrm>
-            <a:off x="4863376" y="2702720"/>
-            <a:ext cx="4280623" cy="2054699"/>
-          </a:xfrm>
-          <a:prstGeom prst="rect">
-            <a:avLst/>
-          </a:prstGeom>
-        </p:spPr>
-      </p:pic>
-      <p:cxnSp>
-        <p:nvCxnSpPr>
-          <p:cNvPr id="10" name="Straight Arrow Connector 9"/>
-          <p:cNvCxnSpPr/>
-          <p:nvPr/>
-        </p:nvCxnSpPr>
-        <p:spPr>
-          <a:xfrm flipV="1">
-            <a:off x="2480441" y="3363312"/>
-            <a:ext cx="2785242" cy="204949"/>
-          </a:xfrm>
-          <a:prstGeom prst="straightConnector1">
-            <a:avLst/>
-          </a:prstGeom>
-          <a:ln>
-            <a:headEnd type="triangle"/>
-            <a:tailEnd type="triangle"/>
-          </a:ln>
-        </p:spPr>
-        <p:style>
-          <a:lnRef idx="2">
-            <a:schemeClr val="dk1"/>
-          </a:lnRef>
-          <a:fillRef idx="0">
-            <a:schemeClr val="dk1"/>
-          </a:fillRef>
-          <a:effectRef idx="1">
-            <a:schemeClr val="dk1"/>
-          </a:effectRef>
-          <a:fontRef idx="minor">
-            <a:schemeClr val="tx1"/>
-          </a:fontRef>
-        </p:style>
-      </p:cxnSp>
-      <p:cxnSp>
-        <p:nvCxnSpPr>
-          <p:cNvPr id="13" name="Straight Arrow Connector 12"/>
-          <p:cNvCxnSpPr/>
-          <p:nvPr/>
-        </p:nvCxnSpPr>
-        <p:spPr>
-          <a:xfrm flipV="1">
-            <a:off x="2638097" y="3457904"/>
-            <a:ext cx="2438400" cy="666440"/>
-          </a:xfrm>
-          <a:prstGeom prst="straightConnector1">
-            <a:avLst/>
-          </a:prstGeom>
-          <a:ln>
-            <a:headEnd type="triangle"/>
-            <a:tailEnd type="triangle"/>
-          </a:ln>
-        </p:spPr>
-        <p:style>
-          <a:lnRef idx="2">
-            <a:schemeClr val="dk1"/>
-          </a:lnRef>
-          <a:fillRef idx="0">
-            <a:schemeClr val="dk1"/>
-          </a:fillRef>
-          <a:effectRef idx="1">
-            <a:schemeClr val="dk1"/>
-          </a:effectRef>
-          <a:fontRef idx="minor">
-            <a:schemeClr val="tx1"/>
-          </a:fontRef>
-        </p:style>
-      </p:cxnSp>
-    </p:spTree>
-    <p:extLst>
-      <p:ext uri="{BB962C8B-B14F-4D97-AF65-F5344CB8AC3E}">
-        <p14:creationId xmlns:p14="http://schemas.microsoft.com/office/powerpoint/2010/main" val="786310369"/>
-      </p:ext>
-    </p:extLst>
-  </p:cSld>
-  <p:clrMapOvr>
-    <a:masterClrMapping/>
-  </p:clrMapOvr>
-</p:sld>
-</file>
-
-<file path=ppt/slides/slide42.xml><?xml version="1.0" encoding="utf-8"?>
-<p:sld xmlns:a="http://schemas.openxmlformats.org/drawingml/2006/main" xmlns:r="http://schemas.openxmlformats.org/officeDocument/2006/relationships" xmlns:p="http://schemas.openxmlformats.org/presentationml/2006/main">
-  <p:cSld>
-    <p:spTree>
-      <p:nvGrpSpPr>
-        <p:cNvPr id="1" name=""/>
-        <p:cNvGrpSpPr/>
-        <p:nvPr/>
-      </p:nvGrpSpPr>
-      <p:grpSpPr>
-        <a:xfrm>
-          <a:off x="0" y="0"/>
-          <a:ext cx="0" cy="0"/>
-          <a:chOff x="0" y="0"/>
-          <a:chExt cx="0" cy="0"/>
-        </a:xfrm>
-      </p:grpSpPr>
-      <p:sp>
-        <p:nvSpPr>
-          <p:cNvPr id="3" name="Title 2"/>
-          <p:cNvSpPr>
-            <a:spLocks noGrp="1"/>
-          </p:cNvSpPr>
-          <p:nvPr>
-            <p:ph type="title"/>
-          </p:nvPr>
-        </p:nvSpPr>
-        <p:spPr/>
-        <p:txBody>
-          <a:bodyPr/>
-          <a:lstStyle/>
-          <a:p>
-            <a:r>
-              <a:rPr lang="en-US" dirty="0" smtClean="0"/>
-              <a:t>Pulling down the Data</a:t>
-            </a:r>
-            <a:endParaRPr lang="en-US" dirty="0"/>
-          </a:p>
-        </p:txBody>
-      </p:sp>
-      <p:sp>
-        <p:nvSpPr>
-          <p:cNvPr id="5" name="Content Placeholder 4"/>
-          <p:cNvSpPr>
-            <a:spLocks noGrp="1"/>
-          </p:cNvSpPr>
-          <p:nvPr>
-            <p:ph idx="1"/>
-          </p:nvPr>
-        </p:nvSpPr>
-        <p:spPr/>
-        <p:txBody>
-          <a:bodyPr/>
-          <a:lstStyle/>
-          <a:p>
-            <a:r>
               <a:rPr lang="en-US" sz="2000" dirty="0" smtClean="0"/>
               <a:t>All of the menu information is contained inside the Description Tag</a:t>
             </a:r>
@@ -8740,11 +8519,7 @@
           <a:p>
             <a:r>
               <a:rPr lang="en-US" sz="1100" i="1" dirty="0" err="1" smtClean="0"/>
-              <a:t>CafeteriaService</a:t>
-            </a:r>
-            <a:r>
-              <a:rPr lang="en-US" sz="1100" i="1" dirty="0" err="1" smtClean="0"/>
-              <a:t>.cs</a:t>
+              <a:t>CafeteriaService.cs</a:t>
             </a:r>
             <a:endParaRPr lang="en-US" sz="1100" i="1" dirty="0"/>
           </a:p>
@@ -8939,7 +8714,7 @@
 </p:sld>
 </file>
 
-<file path=ppt/slides/slide43.xml><?xml version="1.0" encoding="utf-8"?>
+<file path=ppt/slides/slide41.xml><?xml version="1.0" encoding="utf-8"?>
 <p:sld xmlns:a="http://schemas.openxmlformats.org/drawingml/2006/main" xmlns:r="http://schemas.openxmlformats.org/officeDocument/2006/relationships" xmlns:p="http://schemas.openxmlformats.org/presentationml/2006/main">
   <p:cSld>
     <p:spTree>
@@ -9048,11 +8823,7 @@
           <a:p>
             <a:r>
               <a:rPr lang="en-US" sz="1100" i="1" dirty="0" err="1" smtClean="0"/>
-              <a:t>CafeteriaService</a:t>
-            </a:r>
-            <a:r>
-              <a:rPr lang="en-US" sz="1100" i="1" dirty="0" err="1" smtClean="0"/>
-              <a:t>.cs</a:t>
+              <a:t>CafeteriaService.cs</a:t>
             </a:r>
             <a:endParaRPr lang="en-US" sz="1100" i="1" dirty="0"/>
           </a:p>
@@ -9213,7 +8984,7 @@
 </p:sld>
 </file>
 
-<file path=ppt/slides/slide44.xml><?xml version="1.0" encoding="utf-8"?>
+<file path=ppt/slides/slide42.xml><?xml version="1.0" encoding="utf-8"?>
 <p:sld xmlns:a="http://schemas.openxmlformats.org/drawingml/2006/main" xmlns:r="http://schemas.openxmlformats.org/officeDocument/2006/relationships" xmlns:p="http://schemas.openxmlformats.org/presentationml/2006/main">
   <p:cSld>
     <p:spTree>
@@ -9330,11 +9101,7 @@
           <a:p>
             <a:r>
               <a:rPr lang="en-US" sz="1100" i="1" dirty="0" err="1" smtClean="0"/>
-              <a:t>CafeteriaService</a:t>
-            </a:r>
-            <a:r>
-              <a:rPr lang="en-US" sz="1100" i="1" dirty="0" err="1" smtClean="0"/>
-              <a:t>.cs</a:t>
+              <a:t>CafeteriaService.cs</a:t>
             </a:r>
             <a:endParaRPr lang="en-US" sz="1100" i="1" dirty="0"/>
           </a:p>
@@ -9404,6 +9171,318 @@
     <p:extLst>
       <p:ext uri="{BB962C8B-B14F-4D97-AF65-F5344CB8AC3E}">
         <p14:creationId xmlns:p14="http://schemas.microsoft.com/office/powerpoint/2010/main" val="416270721"/>
+      </p:ext>
+    </p:extLst>
+  </p:cSld>
+  <p:clrMapOvr>
+    <a:masterClrMapping/>
+  </p:clrMapOvr>
+</p:sld>
+</file>
+
+<file path=ppt/slides/slide43.xml><?xml version="1.0" encoding="utf-8"?>
+<p:sld xmlns:a="http://schemas.openxmlformats.org/drawingml/2006/main" xmlns:r="http://schemas.openxmlformats.org/officeDocument/2006/relationships" xmlns:p="http://schemas.openxmlformats.org/presentationml/2006/main">
+  <p:cSld>
+    <p:spTree>
+      <p:nvGrpSpPr>
+        <p:cNvPr id="1" name=""/>
+        <p:cNvGrpSpPr/>
+        <p:nvPr/>
+      </p:nvGrpSpPr>
+      <p:grpSpPr>
+        <a:xfrm>
+          <a:off x="0" y="0"/>
+          <a:ext cx="0" cy="0"/>
+          <a:chOff x="0" y="0"/>
+          <a:chExt cx="0" cy="0"/>
+        </a:xfrm>
+      </p:grpSpPr>
+      <p:sp>
+        <p:nvSpPr>
+          <p:cNvPr id="3" name="Title 2"/>
+          <p:cNvSpPr>
+            <a:spLocks noGrp="1"/>
+          </p:cNvSpPr>
+          <p:nvPr>
+            <p:ph type="title"/>
+          </p:nvPr>
+        </p:nvSpPr>
+        <p:spPr/>
+        <p:txBody>
+          <a:bodyPr/>
+          <a:lstStyle/>
+          <a:p>
+            <a:r>
+              <a:rPr lang="en-US" dirty="0" smtClean="0"/>
+              <a:t>Pulling down the Data</a:t>
+            </a:r>
+            <a:endParaRPr lang="en-US" dirty="0"/>
+          </a:p>
+        </p:txBody>
+      </p:sp>
+      <p:sp>
+        <p:nvSpPr>
+          <p:cNvPr id="5" name="Content Placeholder 4"/>
+          <p:cNvSpPr>
+            <a:spLocks noGrp="1"/>
+          </p:cNvSpPr>
+          <p:nvPr>
+            <p:ph idx="1"/>
+          </p:nvPr>
+        </p:nvSpPr>
+        <p:spPr>
+          <a:xfrm>
+            <a:off x="201011" y="847418"/>
+            <a:ext cx="6131695" cy="3554416"/>
+          </a:xfrm>
+        </p:spPr>
+        <p:txBody>
+          <a:bodyPr/>
+          <a:lstStyle/>
+          <a:p>
+            <a:r>
+              <a:rPr lang="en-US" sz="2400" dirty="0" smtClean="0"/>
+              <a:t>Finally add the grouped menus to the station</a:t>
+            </a:r>
+          </a:p>
+          <a:p>
+            <a:r>
+              <a:rPr lang="en-US" sz="2400" dirty="0" smtClean="0"/>
+              <a:t>Once all menus added, add station to cafeteria object</a:t>
+            </a:r>
+          </a:p>
+          <a:p>
+            <a:pPr lvl="1"/>
+            <a:endParaRPr lang="en-US" dirty="0"/>
+          </a:p>
+          <a:p>
+            <a:endParaRPr lang="en-US" dirty="0"/>
+          </a:p>
+        </p:txBody>
+      </p:sp>
+      <p:sp>
+        <p:nvSpPr>
+          <p:cNvPr id="6" name="TextBox 5"/>
+          <p:cNvSpPr txBox="1"/>
+          <p:nvPr/>
+        </p:nvSpPr>
+        <p:spPr>
+          <a:xfrm>
+            <a:off x="201011" y="4401834"/>
+            <a:ext cx="2593428" cy="261610"/>
+          </a:xfrm>
+          <a:prstGeom prst="rect">
+            <a:avLst/>
+          </a:prstGeom>
+          <a:noFill/>
+        </p:spPr>
+        <p:txBody>
+          <a:bodyPr wrap="square" rtlCol="0">
+            <a:spAutoFit/>
+          </a:bodyPr>
+          <a:lstStyle/>
+          <a:p>
+            <a:r>
+              <a:rPr lang="en-US" sz="1100" i="1" dirty="0" err="1" smtClean="0"/>
+              <a:t>CafeteriaService.cs</a:t>
+            </a:r>
+            <a:endParaRPr lang="en-US" sz="1100" i="1" dirty="0"/>
+          </a:p>
+        </p:txBody>
+      </p:sp>
+      <p:pic>
+        <p:nvPicPr>
+          <p:cNvPr id="10" name="Picture 9"/>
+          <p:cNvPicPr>
+            <a:picLocks noChangeAspect="1"/>
+          </p:cNvPicPr>
+          <p:nvPr/>
+        </p:nvPicPr>
+        <p:blipFill>
+          <a:blip r:embed="rId2">
+            <a:extLst>
+              <a:ext uri="{28A0092B-C50C-407E-A947-70E740481C1C}">
+                <a14:useLocalDpi xmlns:a14="http://schemas.microsoft.com/office/drawing/2010/main" val="0"/>
+              </a:ext>
+            </a:extLst>
+          </a:blip>
+          <a:stretch>
+            <a:fillRect/>
+          </a:stretch>
+        </p:blipFill>
+        <p:spPr>
+          <a:xfrm>
+            <a:off x="470194" y="2479202"/>
+            <a:ext cx="3357639" cy="1703691"/>
+          </a:xfrm>
+          <a:prstGeom prst="rect">
+            <a:avLst/>
+          </a:prstGeom>
+        </p:spPr>
+      </p:pic>
+    </p:spTree>
+    <p:extLst>
+      <p:ext uri="{BB962C8B-B14F-4D97-AF65-F5344CB8AC3E}">
+        <p14:creationId xmlns:p14="http://schemas.microsoft.com/office/powerpoint/2010/main" val="214957092"/>
+      </p:ext>
+    </p:extLst>
+  </p:cSld>
+  <p:clrMapOvr>
+    <a:masterClrMapping/>
+  </p:clrMapOvr>
+</p:sld>
+</file>
+
+<file path=ppt/slides/slide44.xml><?xml version="1.0" encoding="utf-8"?>
+<p:sld xmlns:a="http://schemas.openxmlformats.org/drawingml/2006/main" xmlns:r="http://schemas.openxmlformats.org/officeDocument/2006/relationships" xmlns:p="http://schemas.openxmlformats.org/presentationml/2006/main">
+  <p:cSld>
+    <p:spTree>
+      <p:nvGrpSpPr>
+        <p:cNvPr id="1" name=""/>
+        <p:cNvGrpSpPr/>
+        <p:nvPr/>
+      </p:nvGrpSpPr>
+      <p:grpSpPr>
+        <a:xfrm>
+          <a:off x="0" y="0"/>
+          <a:ext cx="0" cy="0"/>
+          <a:chOff x="0" y="0"/>
+          <a:chExt cx="0" cy="0"/>
+        </a:xfrm>
+      </p:grpSpPr>
+      <p:sp>
+        <p:nvSpPr>
+          <p:cNvPr id="2" name="Content Placeholder 1"/>
+          <p:cNvSpPr>
+            <a:spLocks noGrp="1"/>
+          </p:cNvSpPr>
+          <p:nvPr>
+            <p:ph idx="1"/>
+          </p:nvPr>
+        </p:nvSpPr>
+        <p:spPr/>
+        <p:txBody>
+          <a:bodyPr/>
+          <a:lstStyle/>
+          <a:p>
+            <a:r>
+              <a:rPr lang="en-US" sz="2400" dirty="0" smtClean="0"/>
+              <a:t>Now we have our collection of </a:t>
+            </a:r>
+            <a:r>
+              <a:rPr lang="en-US" sz="2400" dirty="0" err="1" smtClean="0"/>
+              <a:t>MenuItems</a:t>
+            </a:r>
+            <a:r>
+              <a:rPr lang="en-US" sz="2400" dirty="0" smtClean="0"/>
+              <a:t>, we want to have them as a String so one meal will appear as one row.</a:t>
+            </a:r>
+          </a:p>
+          <a:p>
+            <a:pPr lvl="1"/>
+            <a:r>
+              <a:rPr lang="en-US" sz="2200" dirty="0" smtClean="0"/>
+              <a:t>This will put each </a:t>
+            </a:r>
+            <a:r>
+              <a:rPr lang="en-US" sz="2200" dirty="0" err="1" smtClean="0"/>
+              <a:t>MenuItem</a:t>
+            </a:r>
+            <a:r>
+              <a:rPr lang="en-US" sz="2200" dirty="0" smtClean="0"/>
+              <a:t> Name in a string separated by new line</a:t>
+            </a:r>
+            <a:endParaRPr lang="en-US" sz="2200" dirty="0"/>
+          </a:p>
+        </p:txBody>
+      </p:sp>
+      <p:sp>
+        <p:nvSpPr>
+          <p:cNvPr id="3" name="Title 2"/>
+          <p:cNvSpPr>
+            <a:spLocks noGrp="1"/>
+          </p:cNvSpPr>
+          <p:nvPr>
+            <p:ph type="title"/>
+          </p:nvPr>
+        </p:nvSpPr>
+        <p:spPr/>
+        <p:txBody>
+          <a:bodyPr/>
+          <a:lstStyle/>
+          <a:p>
+            <a:r>
+              <a:rPr lang="en-US" dirty="0" smtClean="0"/>
+              <a:t>Menu Group</a:t>
+            </a:r>
+            <a:endParaRPr lang="en-US" dirty="0"/>
+          </a:p>
+        </p:txBody>
+      </p:sp>
+      <p:pic>
+        <p:nvPicPr>
+          <p:cNvPr id="4" name="Picture 3"/>
+          <p:cNvPicPr>
+            <a:picLocks noChangeAspect="1"/>
+          </p:cNvPicPr>
+          <p:nvPr/>
+        </p:nvPicPr>
+        <p:blipFill>
+          <a:blip r:embed="rId2">
+            <a:extLst>
+              <a:ext uri="{28A0092B-C50C-407E-A947-70E740481C1C}">
+                <a14:useLocalDpi xmlns:a14="http://schemas.microsoft.com/office/drawing/2010/main" val="0"/>
+              </a:ext>
+            </a:extLst>
+          </a:blip>
+          <a:stretch>
+            <a:fillRect/>
+          </a:stretch>
+        </p:blipFill>
+        <p:spPr>
+          <a:xfrm>
+            <a:off x="554476" y="2254741"/>
+            <a:ext cx="5904149" cy="2316178"/>
+          </a:xfrm>
+          <a:prstGeom prst="rect">
+            <a:avLst/>
+          </a:prstGeom>
+        </p:spPr>
+      </p:pic>
+      <p:pic>
+        <p:nvPicPr>
+          <p:cNvPr id="5" name="Picture 4"/>
+          <p:cNvPicPr>
+            <a:picLocks noChangeAspect="1"/>
+          </p:cNvPicPr>
+          <p:nvPr/>
+        </p:nvPicPr>
+        <p:blipFill>
+          <a:blip r:embed="rId3">
+            <a:extLst>
+              <a:ext uri="{28A0092B-C50C-407E-A947-70E740481C1C}">
+                <a14:useLocalDpi xmlns:a14="http://schemas.microsoft.com/office/drawing/2010/main" val="0"/>
+              </a:ext>
+            </a:extLst>
+          </a:blip>
+          <a:stretch>
+            <a:fillRect/>
+          </a:stretch>
+        </p:blipFill>
+        <p:spPr>
+          <a:xfrm>
+            <a:off x="6313123" y="2702721"/>
+            <a:ext cx="2603863" cy="1120757"/>
+          </a:xfrm>
+          <a:prstGeom prst="rect">
+            <a:avLst/>
+          </a:prstGeom>
+        </p:spPr>
+      </p:pic>
+    </p:spTree>
+    <p:extLst>
+      <p:ext uri="{BB962C8B-B14F-4D97-AF65-F5344CB8AC3E}">
+        <p14:creationId xmlns:p14="http://schemas.microsoft.com/office/powerpoint/2010/main" val="1640206546"/>
       </p:ext>
     </p:extLst>
   </p:cSld>
@@ -9446,8 +9525,12 @@
           <a:lstStyle/>
           <a:p>
             <a:r>
-              <a:rPr lang="en-US" dirty="0" smtClean="0"/>
-              <a:t>Pulling down the Data</a:t>
+              <a:rPr lang="en-US" dirty="0"/>
+              <a:t> Information page | </a:t>
+            </a:r>
+            <a:r>
+              <a:rPr lang="en-US" dirty="0" err="1" smtClean="0"/>
+              <a:t>CafeteriaMenuPage</a:t>
             </a:r>
             <a:endParaRPr lang="en-US" dirty="0"/>
           </a:p>
@@ -9463,40 +9546,22 @@
             <p:ph idx="1"/>
           </p:nvPr>
         </p:nvSpPr>
-        <p:spPr>
-          <a:xfrm>
-            <a:off x="201011" y="847418"/>
-            <a:ext cx="6131695" cy="3554416"/>
-          </a:xfrm>
-        </p:spPr>
+        <p:spPr/>
         <p:txBody>
           <a:bodyPr/>
           <a:lstStyle/>
           <a:p>
             <a:r>
-              <a:rPr lang="en-US" sz="2400" dirty="0" smtClean="0"/>
-              <a:t>Finally add the grouped menus to the station</a:t>
-            </a:r>
-          </a:p>
-          <a:p>
-            <a:r>
-              <a:rPr lang="en-US" sz="2400" dirty="0" smtClean="0"/>
-              <a:t>Once all menus added, add station to cafeteria object</a:t>
-            </a:r>
-            <a:endParaRPr lang="en-US" sz="2400" dirty="0" smtClean="0"/>
-          </a:p>
-          <a:p>
-            <a:pPr lvl="1"/>
+              <a:rPr lang="en-US" dirty="0" smtClean="0"/>
+              <a:t>Designing a row in the list view</a:t>
+            </a:r>
             <a:endParaRPr lang="en-US" dirty="0"/>
           </a:p>
-          <a:p>
-            <a:endParaRPr lang="en-US" dirty="0"/>
-          </a:p>
-        </p:txBody>
-      </p:sp>
-      <p:sp>
-        <p:nvSpPr>
-          <p:cNvPr id="6" name="TextBox 5"/>
+        </p:txBody>
+      </p:sp>
+      <p:sp>
+        <p:nvSpPr>
+          <p:cNvPr id="7" name="TextBox 6"/>
           <p:cNvSpPr txBox="1"/>
           <p:nvPr/>
         </p:nvSpPr>
@@ -9518,11 +9583,7 @@
           <a:p>
             <a:r>
               <a:rPr lang="en-US" sz="1100" i="1" dirty="0" err="1" smtClean="0"/>
-              <a:t>CafeteriaService</a:t>
-            </a:r>
-            <a:r>
-              <a:rPr lang="en-US" sz="1100" i="1" dirty="0" err="1" smtClean="0"/>
-              <a:t>.cs</a:t>
+              <a:t>CafeteriaMenuPage.xaml</a:t>
             </a:r>
             <a:endParaRPr lang="en-US" sz="1100" i="1" dirty="0"/>
           </a:p>
@@ -9530,7 +9591,7 @@
       </p:sp>
       <p:pic>
         <p:nvPicPr>
-          <p:cNvPr id="10" name="Picture 9"/>
+          <p:cNvPr id="2" name="Picture 1"/>
           <p:cNvPicPr>
             <a:picLocks noChangeAspect="1"/>
           </p:cNvPicPr>
@@ -9550,8 +9611,38 @@
         </p:blipFill>
         <p:spPr>
           <a:xfrm>
-            <a:off x="470194" y="2479202"/>
-            <a:ext cx="3357639" cy="1703691"/>
+            <a:off x="233167" y="2250637"/>
+            <a:ext cx="4717403" cy="1773954"/>
+          </a:xfrm>
+          <a:prstGeom prst="rect">
+            <a:avLst/>
+          </a:prstGeom>
+        </p:spPr>
+      </p:pic>
+      <p:pic>
+        <p:nvPicPr>
+          <p:cNvPr id="8" name="Picture 7"/>
+          <p:cNvPicPr>
+            <a:picLocks noChangeAspect="1"/>
+          </p:cNvPicPr>
+          <p:nvPr/>
+        </p:nvPicPr>
+        <p:blipFill>
+          <a:blip r:embed="rId3">
+            <a:extLst>
+              <a:ext uri="{28A0092B-C50C-407E-A947-70E740481C1C}">
+                <a14:useLocalDpi xmlns:a14="http://schemas.microsoft.com/office/drawing/2010/main" val="0"/>
+              </a:ext>
+            </a:extLst>
+          </a:blip>
+          <a:stretch>
+            <a:fillRect/>
+          </a:stretch>
+        </p:blipFill>
+        <p:spPr>
+          <a:xfrm>
+            <a:off x="4982726" y="2395953"/>
+            <a:ext cx="3363723" cy="1628638"/>
           </a:xfrm>
           <a:prstGeom prst="rect">
             <a:avLst/>
@@ -9561,7 +9652,7 @@
     </p:spTree>
     <p:extLst>
       <p:ext uri="{BB962C8B-B14F-4D97-AF65-F5344CB8AC3E}">
-        <p14:creationId xmlns:p14="http://schemas.microsoft.com/office/powerpoint/2010/main" val="214957092"/>
+        <p14:creationId xmlns:p14="http://schemas.microsoft.com/office/powerpoint/2010/main" val="1250266615"/>
       </p:ext>
     </p:extLst>
   </p:cSld>
@@ -9590,52 +9681,6 @@
       </p:grpSpPr>
       <p:sp>
         <p:nvSpPr>
-          <p:cNvPr id="2" name="Content Placeholder 1"/>
-          <p:cNvSpPr>
-            <a:spLocks noGrp="1"/>
-          </p:cNvSpPr>
-          <p:nvPr>
-            <p:ph idx="1"/>
-          </p:nvPr>
-        </p:nvSpPr>
-        <p:spPr/>
-        <p:txBody>
-          <a:bodyPr/>
-          <a:lstStyle/>
-          <a:p>
-            <a:r>
-              <a:rPr lang="en-US" sz="2400" dirty="0" smtClean="0"/>
-              <a:t>Now we have our collection of </a:t>
-            </a:r>
-            <a:r>
-              <a:rPr lang="en-US" sz="2400" dirty="0" err="1" smtClean="0"/>
-              <a:t>MenuItems</a:t>
-            </a:r>
-            <a:r>
-              <a:rPr lang="en-US" sz="2400" dirty="0" smtClean="0"/>
-              <a:t>, we want to have them as a String so one meal will appear as one row.</a:t>
-            </a:r>
-          </a:p>
-          <a:p>
-            <a:pPr lvl="1"/>
-            <a:r>
-              <a:rPr lang="en-US" sz="2200" dirty="0" smtClean="0"/>
-              <a:t>This will put each </a:t>
-            </a:r>
-            <a:r>
-              <a:rPr lang="en-US" sz="2200" dirty="0" err="1" smtClean="0"/>
-              <a:t>MenuItem</a:t>
-            </a:r>
-            <a:r>
-              <a:rPr lang="en-US" sz="2200" dirty="0" smtClean="0"/>
-              <a:t> Name in a string separated by new line</a:t>
-            </a:r>
-            <a:endParaRPr lang="en-US" sz="2200" dirty="0"/>
-          </a:p>
-        </p:txBody>
-      </p:sp>
-      <p:sp>
-        <p:nvSpPr>
           <p:cNvPr id="3" name="Title 2"/>
           <p:cNvSpPr>
             <a:spLocks noGrp="1"/>
@@ -9650,295 +9695,12 @@
           <a:lstStyle/>
           <a:p>
             <a:r>
-              <a:rPr lang="en-US" dirty="0" smtClean="0"/>
-              <a:t>Menu Group</a:t>
-            </a:r>
-            <a:endParaRPr lang="en-US" dirty="0"/>
-          </a:p>
-        </p:txBody>
-      </p:sp>
-      <p:pic>
-        <p:nvPicPr>
-          <p:cNvPr id="4" name="Picture 3"/>
-          <p:cNvPicPr>
-            <a:picLocks noChangeAspect="1"/>
-          </p:cNvPicPr>
-          <p:nvPr/>
-        </p:nvPicPr>
-        <p:blipFill>
-          <a:blip r:embed="rId2">
-            <a:extLst>
-              <a:ext uri="{28A0092B-C50C-407E-A947-70E740481C1C}">
-                <a14:useLocalDpi xmlns:a14="http://schemas.microsoft.com/office/drawing/2010/main" val="0"/>
-              </a:ext>
-            </a:extLst>
-          </a:blip>
-          <a:stretch>
-            <a:fillRect/>
-          </a:stretch>
-        </p:blipFill>
-        <p:spPr>
-          <a:xfrm>
-            <a:off x="554476" y="2254741"/>
-            <a:ext cx="5904149" cy="2316178"/>
-          </a:xfrm>
-          <a:prstGeom prst="rect">
-            <a:avLst/>
-          </a:prstGeom>
-        </p:spPr>
-      </p:pic>
-      <p:pic>
-        <p:nvPicPr>
-          <p:cNvPr id="5" name="Picture 4"/>
-          <p:cNvPicPr>
-            <a:picLocks noChangeAspect="1"/>
-          </p:cNvPicPr>
-          <p:nvPr/>
-        </p:nvPicPr>
-        <p:blipFill>
-          <a:blip r:embed="rId3">
-            <a:extLst>
-              <a:ext uri="{28A0092B-C50C-407E-A947-70E740481C1C}">
-                <a14:useLocalDpi xmlns:a14="http://schemas.microsoft.com/office/drawing/2010/main" val="0"/>
-              </a:ext>
-            </a:extLst>
-          </a:blip>
-          <a:stretch>
-            <a:fillRect/>
-          </a:stretch>
-        </p:blipFill>
-        <p:spPr>
-          <a:xfrm>
-            <a:off x="6313123" y="2702721"/>
-            <a:ext cx="2603863" cy="1120757"/>
-          </a:xfrm>
-          <a:prstGeom prst="rect">
-            <a:avLst/>
-          </a:prstGeom>
-        </p:spPr>
-      </p:pic>
-    </p:spTree>
-    <p:extLst>
-      <p:ext uri="{BB962C8B-B14F-4D97-AF65-F5344CB8AC3E}">
-        <p14:creationId xmlns:p14="http://schemas.microsoft.com/office/powerpoint/2010/main" val="1640206546"/>
-      </p:ext>
-    </p:extLst>
-  </p:cSld>
-  <p:clrMapOvr>
-    <a:masterClrMapping/>
-  </p:clrMapOvr>
-</p:sld>
-</file>
-
-<file path=ppt/slides/slide47.xml><?xml version="1.0" encoding="utf-8"?>
-<p:sld xmlns:a="http://schemas.openxmlformats.org/drawingml/2006/main" xmlns:r="http://schemas.openxmlformats.org/officeDocument/2006/relationships" xmlns:p="http://schemas.openxmlformats.org/presentationml/2006/main">
-  <p:cSld>
-    <p:spTree>
-      <p:nvGrpSpPr>
-        <p:cNvPr id="1" name=""/>
-        <p:cNvGrpSpPr/>
-        <p:nvPr/>
-      </p:nvGrpSpPr>
-      <p:grpSpPr>
-        <a:xfrm>
-          <a:off x="0" y="0"/>
-          <a:ext cx="0" cy="0"/>
-          <a:chOff x="0" y="0"/>
-          <a:chExt cx="0" cy="0"/>
-        </a:xfrm>
-      </p:grpSpPr>
-      <p:sp>
-        <p:nvSpPr>
-          <p:cNvPr id="3" name="Title 2"/>
-          <p:cNvSpPr>
-            <a:spLocks noGrp="1"/>
-          </p:cNvSpPr>
-          <p:nvPr>
-            <p:ph type="title"/>
-          </p:nvPr>
-        </p:nvSpPr>
-        <p:spPr/>
-        <p:txBody>
-          <a:bodyPr/>
-          <a:lstStyle/>
-          <a:p>
-            <a:r>
               <a:rPr lang="en-US" dirty="0"/>
               <a:t> Information page | </a:t>
             </a:r>
             <a:r>
-              <a:rPr lang="en-US" dirty="0" err="1"/>
-              <a:t>CafeteriaApplicationMenuPage</a:t>
-            </a:r>
-            <a:endParaRPr lang="en-US" dirty="0"/>
-          </a:p>
-        </p:txBody>
-      </p:sp>
-      <p:sp>
-        <p:nvSpPr>
-          <p:cNvPr id="5" name="Content Placeholder 4"/>
-          <p:cNvSpPr>
-            <a:spLocks noGrp="1"/>
-          </p:cNvSpPr>
-          <p:nvPr>
-            <p:ph idx="1"/>
-          </p:nvPr>
-        </p:nvSpPr>
-        <p:spPr/>
-        <p:txBody>
-          <a:bodyPr/>
-          <a:lstStyle/>
-          <a:p>
-            <a:r>
-              <a:rPr lang="en-US" dirty="0" smtClean="0"/>
-              <a:t>Designing a row in the list view</a:t>
-            </a:r>
-            <a:endParaRPr lang="en-US" dirty="0"/>
-          </a:p>
-        </p:txBody>
-      </p:sp>
-      <p:sp>
-        <p:nvSpPr>
-          <p:cNvPr id="7" name="TextBox 6"/>
-          <p:cNvSpPr txBox="1"/>
-          <p:nvPr/>
-        </p:nvSpPr>
-        <p:spPr>
-          <a:xfrm>
-            <a:off x="201011" y="4401834"/>
-            <a:ext cx="2593428" cy="261610"/>
-          </a:xfrm>
-          <a:prstGeom prst="rect">
-            <a:avLst/>
-          </a:prstGeom>
-          <a:noFill/>
-        </p:spPr>
-        <p:txBody>
-          <a:bodyPr wrap="square" rtlCol="0">
-            <a:spAutoFit/>
-          </a:bodyPr>
-          <a:lstStyle/>
-          <a:p>
-            <a:r>
-              <a:rPr lang="en-US" sz="1100" i="1" dirty="0" err="1" smtClean="0"/>
-              <a:t>CafeteriaApplicationMenuPage.xaml</a:t>
-            </a:r>
-            <a:endParaRPr lang="en-US" sz="1100" i="1" dirty="0"/>
-          </a:p>
-        </p:txBody>
-      </p:sp>
-      <p:pic>
-        <p:nvPicPr>
-          <p:cNvPr id="2" name="Picture 1"/>
-          <p:cNvPicPr>
-            <a:picLocks noChangeAspect="1"/>
-          </p:cNvPicPr>
-          <p:nvPr/>
-        </p:nvPicPr>
-        <p:blipFill>
-          <a:blip r:embed="rId2">
-            <a:extLst>
-              <a:ext uri="{28A0092B-C50C-407E-A947-70E740481C1C}">
-                <a14:useLocalDpi xmlns:a14="http://schemas.microsoft.com/office/drawing/2010/main" val="0"/>
-              </a:ext>
-            </a:extLst>
-          </a:blip>
-          <a:stretch>
-            <a:fillRect/>
-          </a:stretch>
-        </p:blipFill>
-        <p:spPr>
-          <a:xfrm>
-            <a:off x="233167" y="2250637"/>
-            <a:ext cx="4717403" cy="1773954"/>
-          </a:xfrm>
-          <a:prstGeom prst="rect">
-            <a:avLst/>
-          </a:prstGeom>
-        </p:spPr>
-      </p:pic>
-      <p:pic>
-        <p:nvPicPr>
-          <p:cNvPr id="8" name="Picture 7"/>
-          <p:cNvPicPr>
-            <a:picLocks noChangeAspect="1"/>
-          </p:cNvPicPr>
-          <p:nvPr/>
-        </p:nvPicPr>
-        <p:blipFill>
-          <a:blip r:embed="rId3">
-            <a:extLst>
-              <a:ext uri="{28A0092B-C50C-407E-A947-70E740481C1C}">
-                <a14:useLocalDpi xmlns:a14="http://schemas.microsoft.com/office/drawing/2010/main" val="0"/>
-              </a:ext>
-            </a:extLst>
-          </a:blip>
-          <a:stretch>
-            <a:fillRect/>
-          </a:stretch>
-        </p:blipFill>
-        <p:spPr>
-          <a:xfrm>
-            <a:off x="4982726" y="2395953"/>
-            <a:ext cx="3363723" cy="1628638"/>
-          </a:xfrm>
-          <a:prstGeom prst="rect">
-            <a:avLst/>
-          </a:prstGeom>
-        </p:spPr>
-      </p:pic>
-    </p:spTree>
-    <p:extLst>
-      <p:ext uri="{BB962C8B-B14F-4D97-AF65-F5344CB8AC3E}">
-        <p14:creationId xmlns:p14="http://schemas.microsoft.com/office/powerpoint/2010/main" val="1250266615"/>
-      </p:ext>
-    </p:extLst>
-  </p:cSld>
-  <p:clrMapOvr>
-    <a:masterClrMapping/>
-  </p:clrMapOvr>
-</p:sld>
-</file>
-
-<file path=ppt/slides/slide48.xml><?xml version="1.0" encoding="utf-8"?>
-<p:sld xmlns:a="http://schemas.openxmlformats.org/drawingml/2006/main" xmlns:r="http://schemas.openxmlformats.org/officeDocument/2006/relationships" xmlns:p="http://schemas.openxmlformats.org/presentationml/2006/main">
-  <p:cSld>
-    <p:spTree>
-      <p:nvGrpSpPr>
-        <p:cNvPr id="1" name=""/>
-        <p:cNvGrpSpPr/>
-        <p:nvPr/>
-      </p:nvGrpSpPr>
-      <p:grpSpPr>
-        <a:xfrm>
-          <a:off x="0" y="0"/>
-          <a:ext cx="0" cy="0"/>
-          <a:chOff x="0" y="0"/>
-          <a:chExt cx="0" cy="0"/>
-        </a:xfrm>
-      </p:grpSpPr>
-      <p:sp>
-        <p:nvSpPr>
-          <p:cNvPr id="3" name="Title 2"/>
-          <p:cNvSpPr>
-            <a:spLocks noGrp="1"/>
-          </p:cNvSpPr>
-          <p:nvPr>
-            <p:ph type="title"/>
-          </p:nvPr>
-        </p:nvSpPr>
-        <p:spPr/>
-        <p:txBody>
-          <a:bodyPr/>
-          <a:lstStyle/>
-          <a:p>
-            <a:r>
-              <a:rPr lang="en-US" dirty="0"/>
-              <a:t> Information page | </a:t>
-            </a:r>
-            <a:r>
-              <a:rPr lang="en-US" dirty="0" err="1"/>
-              <a:t>CafeteriaApplicationMenuPage</a:t>
+              <a:rPr lang="en-US" dirty="0" err="1" smtClean="0"/>
+              <a:t>CafeteriaMenuPage</a:t>
             </a:r>
             <a:endParaRPr lang="en-US" dirty="0"/>
           </a:p>
@@ -9997,7 +9759,7 @@
           <a:p>
             <a:r>
               <a:rPr lang="en-US" sz="1100" i="1" dirty="0" err="1" smtClean="0"/>
-              <a:t>CafeteriaApplicationMenuPage.xaml</a:t>
+              <a:t>CafeteriaMenuPage.xaml</a:t>
             </a:r>
             <a:endParaRPr lang="en-US" sz="1100" i="1" dirty="0"/>
           </a:p>
@@ -10016,7 +9778,7 @@
 </p:sld>
 </file>
 
-<file path=ppt/slides/slide49.xml><?xml version="1.0" encoding="utf-8"?>
+<file path=ppt/slides/slide47.xml><?xml version="1.0" encoding="utf-8"?>
 <p:sld xmlns:a="http://schemas.openxmlformats.org/drawingml/2006/main" xmlns:r="http://schemas.openxmlformats.org/officeDocument/2006/relationships" xmlns:p="http://schemas.openxmlformats.org/presentationml/2006/main">
   <p:cSld>
     <p:spTree>

--- a/Xamarin Cafeteria.pptx
+++ b/Xamarin Cafeteria.pptx
@@ -5,7 +5,7 @@
     <p:sldMasterId id="2147483648" r:id="rId4"/>
   </p:sldMasterIdLst>
   <p:notesMasterIdLst>
-    <p:notesMasterId r:id="rId52"/>
+    <p:notesMasterId r:id="rId53"/>
   </p:notesMasterIdLst>
   <p:sldIdLst>
     <p:sldId id="256" r:id="rId5"/>
@@ -54,7 +54,8 @@
     <p:sldId id="358" r:id="rId48"/>
     <p:sldId id="367" r:id="rId49"/>
     <p:sldId id="368" r:id="rId50"/>
-    <p:sldId id="318" r:id="rId51"/>
+    <p:sldId id="370" r:id="rId51"/>
+    <p:sldId id="318" r:id="rId52"/>
   </p:sldIdLst>
   <p:sldSz cx="9144000" cy="5143500" type="screen16x9"/>
   <p:notesSz cx="6858000" cy="9144000"/>
@@ -3825,6 +3826,13 @@
   <p:clrMapOvr>
     <a:masterClrMapping/>
   </p:clrMapOvr>
+  <p:timing>
+    <p:tnLst>
+      <p:par>
+        <p:cTn id="1" dur="indefinite" restart="never" nodeType="tmRoot"/>
+      </p:par>
+    </p:tnLst>
+  </p:timing>
 </p:sld>
 </file>
 
@@ -3952,6 +3960,13 @@
   <p:clrMapOvr>
     <a:masterClrMapping/>
   </p:clrMapOvr>
+  <p:timing>
+    <p:tnLst>
+      <p:par>
+        <p:cTn id="1" dur="indefinite" restart="never" nodeType="tmRoot"/>
+      </p:par>
+    </p:tnLst>
+  </p:timing>
 </p:sld>
 </file>
 
@@ -4046,6 +4061,13 @@
   <p:clrMapOvr>
     <a:masterClrMapping/>
   </p:clrMapOvr>
+  <p:timing>
+    <p:tnLst>
+      <p:par>
+        <p:cTn id="1" dur="indefinite" restart="never" nodeType="tmRoot"/>
+      </p:par>
+    </p:tnLst>
+  </p:timing>
 </p:sld>
 </file>
 
@@ -5069,6 +5091,13 @@
   <p:clrMapOvr>
     <a:masterClrMapping/>
   </p:clrMapOvr>
+  <p:timing>
+    <p:tnLst>
+      <p:par>
+        <p:cTn id="1" dur="indefinite" restart="never" nodeType="tmRoot"/>
+      </p:par>
+    </p:tnLst>
+  </p:timing>
 </p:sld>
 </file>
 
@@ -5198,6 +5227,13 @@
   <p:clrMapOvr>
     <a:masterClrMapping/>
   </p:clrMapOvr>
+  <p:timing>
+    <p:tnLst>
+      <p:par>
+        <p:cTn id="1" dur="indefinite" restart="never" nodeType="tmRoot"/>
+      </p:par>
+    </p:tnLst>
+  </p:timing>
 </p:sld>
 </file>
 
@@ -9775,6 +9811,13 @@
   <p:clrMapOvr>
     <a:masterClrMapping/>
   </p:clrMapOvr>
+  <p:timing>
+    <p:tnLst>
+      <p:par>
+        <p:cTn id="1" dur="indefinite" restart="never" nodeType="tmRoot"/>
+      </p:par>
+    </p:tnLst>
+  </p:timing>
 </p:sld>
 </file>
 
@@ -9802,6 +9845,513 @@
             <a:spLocks noGrp="1"/>
           </p:cNvSpPr>
           <p:nvPr>
+            <p:ph type="title"/>
+          </p:nvPr>
+        </p:nvSpPr>
+        <p:spPr/>
+        <p:txBody>
+          <a:bodyPr/>
+          <a:lstStyle/>
+          <a:p>
+            <a:r>
+              <a:rPr lang="en-US" dirty="0" smtClean="0"/>
+              <a:t>UI Breakdown</a:t>
+            </a:r>
+            <a:endParaRPr lang="en-US" dirty="0"/>
+          </a:p>
+        </p:txBody>
+      </p:sp>
+      <p:pic>
+        <p:nvPicPr>
+          <p:cNvPr id="4" name="Content Placeholder 3"/>
+          <p:cNvPicPr>
+            <a:picLocks noGrp="1" noChangeAspect="1"/>
+          </p:cNvPicPr>
+          <p:nvPr>
+            <p:ph idx="1"/>
+          </p:nvPr>
+        </p:nvPicPr>
+        <p:blipFill>
+          <a:blip r:embed="rId2">
+            <a:extLst>
+              <a:ext uri="{28A0092B-C50C-407E-A947-70E740481C1C}">
+                <a14:useLocalDpi xmlns:a14="http://schemas.microsoft.com/office/drawing/2010/main" val="0"/>
+              </a:ext>
+            </a:extLst>
+          </a:blip>
+          <a:stretch>
+            <a:fillRect/>
+          </a:stretch>
+        </p:blipFill>
+        <p:spPr>
+          <a:xfrm>
+            <a:off x="3047041" y="910173"/>
+            <a:ext cx="1967132" cy="3491661"/>
+          </a:xfrm>
+        </p:spPr>
+      </p:pic>
+      <p:sp>
+        <p:nvSpPr>
+          <p:cNvPr id="7" name="TextBox 6"/>
+          <p:cNvSpPr txBox="1"/>
+          <p:nvPr/>
+        </p:nvSpPr>
+        <p:spPr>
+          <a:xfrm>
+            <a:off x="201011" y="4401834"/>
+            <a:ext cx="2593428" cy="261610"/>
+          </a:xfrm>
+          <a:prstGeom prst="rect">
+            <a:avLst/>
+          </a:prstGeom>
+          <a:noFill/>
+        </p:spPr>
+        <p:txBody>
+          <a:bodyPr wrap="square" rtlCol="0">
+            <a:spAutoFit/>
+          </a:bodyPr>
+          <a:lstStyle/>
+          <a:p>
+            <a:r>
+              <a:rPr lang="en-US" sz="1100" i="1" dirty="0" err="1" smtClean="0"/>
+              <a:t>CafeteriaMenuPage.xaml</a:t>
+            </a:r>
+            <a:endParaRPr lang="en-US" sz="1100" i="1" dirty="0"/>
+          </a:p>
+        </p:txBody>
+      </p:sp>
+      <p:sp>
+        <p:nvSpPr>
+          <p:cNvPr id="5" name="Right Brace 4"/>
+          <p:cNvSpPr/>
+          <p:nvPr/>
+        </p:nvSpPr>
+        <p:spPr>
+          <a:xfrm>
+            <a:off x="5014173" y="1304693"/>
+            <a:ext cx="193447" cy="267629"/>
+          </a:xfrm>
+          <a:prstGeom prst="rightBrace">
+            <a:avLst/>
+          </a:prstGeom>
+          <a:ln>
+            <a:solidFill>
+              <a:schemeClr val="tx1"/>
+            </a:solidFill>
+          </a:ln>
+        </p:spPr>
+        <p:style>
+          <a:lnRef idx="2">
+            <a:schemeClr val="accent1"/>
+          </a:lnRef>
+          <a:fillRef idx="0">
+            <a:schemeClr val="accent1"/>
+          </a:fillRef>
+          <a:effectRef idx="1">
+            <a:schemeClr val="accent1"/>
+          </a:effectRef>
+          <a:fontRef idx="minor">
+            <a:schemeClr val="tx1"/>
+          </a:fontRef>
+        </p:style>
+        <p:txBody>
+          <a:bodyPr rtlCol="0" anchor="ctr"/>
+          <a:lstStyle/>
+          <a:p>
+            <a:pPr algn="ctr"/>
+            <a:endParaRPr lang="en-US"/>
+          </a:p>
+        </p:txBody>
+      </p:sp>
+      <p:sp>
+        <p:nvSpPr>
+          <p:cNvPr id="6" name="TextBox 5"/>
+          <p:cNvSpPr txBox="1"/>
+          <p:nvPr/>
+        </p:nvSpPr>
+        <p:spPr>
+          <a:xfrm>
+            <a:off x="5266775" y="1253841"/>
+            <a:ext cx="872355" cy="369332"/>
+          </a:xfrm>
+          <a:prstGeom prst="rect">
+            <a:avLst/>
+          </a:prstGeom>
+          <a:noFill/>
+        </p:spPr>
+        <p:txBody>
+          <a:bodyPr wrap="none" rtlCol="0">
+            <a:spAutoFit/>
+          </a:bodyPr>
+          <a:lstStyle/>
+          <a:p>
+            <a:r>
+              <a:rPr lang="en-US" smtClean="0"/>
+              <a:t>Header</a:t>
+            </a:r>
+            <a:endParaRPr lang="en-US"/>
+          </a:p>
+        </p:txBody>
+      </p:sp>
+      <p:sp>
+        <p:nvSpPr>
+          <p:cNvPr id="8" name="Right Brace 7"/>
+          <p:cNvSpPr/>
+          <p:nvPr/>
+        </p:nvSpPr>
+        <p:spPr>
+          <a:xfrm>
+            <a:off x="5014173" y="2486722"/>
+            <a:ext cx="252602" cy="169281"/>
+          </a:xfrm>
+          <a:prstGeom prst="rightBrace">
+            <a:avLst/>
+          </a:prstGeom>
+          <a:ln>
+            <a:solidFill>
+              <a:srgbClr val="00B050"/>
+            </a:solidFill>
+          </a:ln>
+        </p:spPr>
+        <p:style>
+          <a:lnRef idx="2">
+            <a:schemeClr val="accent1"/>
+          </a:lnRef>
+          <a:fillRef idx="0">
+            <a:schemeClr val="accent1"/>
+          </a:fillRef>
+          <a:effectRef idx="1">
+            <a:schemeClr val="accent1"/>
+          </a:effectRef>
+          <a:fontRef idx="minor">
+            <a:schemeClr val="tx1"/>
+          </a:fontRef>
+        </p:style>
+        <p:txBody>
+          <a:bodyPr rtlCol="0" anchor="ctr"/>
+          <a:lstStyle/>
+          <a:p>
+            <a:pPr algn="ctr"/>
+            <a:endParaRPr lang="en-US"/>
+          </a:p>
+        </p:txBody>
+      </p:sp>
+      <p:sp>
+        <p:nvSpPr>
+          <p:cNvPr id="9" name="TextBox 8"/>
+          <p:cNvSpPr txBox="1"/>
+          <p:nvPr/>
+        </p:nvSpPr>
+        <p:spPr>
+          <a:xfrm>
+            <a:off x="5416144" y="2386696"/>
+            <a:ext cx="1708225" cy="369332"/>
+          </a:xfrm>
+          <a:prstGeom prst="rect">
+            <a:avLst/>
+          </a:prstGeom>
+          <a:noFill/>
+        </p:spPr>
+        <p:txBody>
+          <a:bodyPr wrap="none" rtlCol="0">
+            <a:spAutoFit/>
+          </a:bodyPr>
+          <a:lstStyle/>
+          <a:p>
+            <a:r>
+              <a:rPr lang="en-US" dirty="0" smtClean="0"/>
+              <a:t>Label Text: Meal</a:t>
+            </a:r>
+            <a:endParaRPr lang="en-US" dirty="0"/>
+          </a:p>
+        </p:txBody>
+      </p:sp>
+      <p:sp>
+        <p:nvSpPr>
+          <p:cNvPr id="10" name="Right Brace 9"/>
+          <p:cNvSpPr/>
+          <p:nvPr/>
+        </p:nvSpPr>
+        <p:spPr>
+          <a:xfrm>
+            <a:off x="5014173" y="2656003"/>
+            <a:ext cx="252602" cy="756270"/>
+          </a:xfrm>
+          <a:prstGeom prst="rightBrace">
+            <a:avLst/>
+          </a:prstGeom>
+          <a:ln>
+            <a:solidFill>
+              <a:srgbClr val="FFC000"/>
+            </a:solidFill>
+          </a:ln>
+        </p:spPr>
+        <p:style>
+          <a:lnRef idx="2">
+            <a:schemeClr val="accent1"/>
+          </a:lnRef>
+          <a:fillRef idx="0">
+            <a:schemeClr val="accent1"/>
+          </a:fillRef>
+          <a:effectRef idx="1">
+            <a:schemeClr val="accent1"/>
+          </a:effectRef>
+          <a:fontRef idx="minor">
+            <a:schemeClr val="tx1"/>
+          </a:fontRef>
+        </p:style>
+        <p:txBody>
+          <a:bodyPr rtlCol="0" anchor="ctr"/>
+          <a:lstStyle/>
+          <a:p>
+            <a:pPr algn="ctr"/>
+            <a:endParaRPr lang="en-US"/>
+          </a:p>
+        </p:txBody>
+      </p:sp>
+      <p:sp>
+        <p:nvSpPr>
+          <p:cNvPr id="11" name="TextBox 10"/>
+          <p:cNvSpPr txBox="1"/>
+          <p:nvPr/>
+        </p:nvSpPr>
+        <p:spPr>
+          <a:xfrm>
+            <a:off x="5433136" y="2849472"/>
+            <a:ext cx="2334998" cy="369332"/>
+          </a:xfrm>
+          <a:prstGeom prst="rect">
+            <a:avLst/>
+          </a:prstGeom>
+          <a:noFill/>
+        </p:spPr>
+        <p:txBody>
+          <a:bodyPr wrap="none" rtlCol="0">
+            <a:spAutoFit/>
+          </a:bodyPr>
+          <a:lstStyle/>
+          <a:p>
+            <a:r>
+              <a:rPr lang="en-US" dirty="0" smtClean="0"/>
+              <a:t>Label Text: </a:t>
+            </a:r>
+            <a:r>
+              <a:rPr lang="en-US" dirty="0" err="1" smtClean="0"/>
+              <a:t>MenuString</a:t>
+            </a:r>
+            <a:endParaRPr lang="en-US" dirty="0"/>
+          </a:p>
+        </p:txBody>
+      </p:sp>
+      <p:sp>
+        <p:nvSpPr>
+          <p:cNvPr id="12" name="Left Brace 11"/>
+          <p:cNvSpPr/>
+          <p:nvPr/>
+        </p:nvSpPr>
+        <p:spPr>
+          <a:xfrm>
+            <a:off x="1339288" y="1304693"/>
+            <a:ext cx="1707753" cy="3097141"/>
+          </a:xfrm>
+          <a:prstGeom prst="leftBrace">
+            <a:avLst>
+              <a:gd name="adj1" fmla="val 8333"/>
+              <a:gd name="adj2" fmla="val 8594"/>
+            </a:avLst>
+          </a:prstGeom>
+          <a:ln>
+            <a:solidFill>
+              <a:srgbClr val="00B0F0"/>
+            </a:solidFill>
+          </a:ln>
+        </p:spPr>
+        <p:style>
+          <a:lnRef idx="2">
+            <a:schemeClr val="accent1"/>
+          </a:lnRef>
+          <a:fillRef idx="0">
+            <a:schemeClr val="accent1"/>
+          </a:fillRef>
+          <a:effectRef idx="1">
+            <a:schemeClr val="accent1"/>
+          </a:effectRef>
+          <a:fontRef idx="minor">
+            <a:schemeClr val="tx1"/>
+          </a:fontRef>
+        </p:style>
+        <p:txBody>
+          <a:bodyPr rtlCol="0" anchor="ctr"/>
+          <a:lstStyle/>
+          <a:p>
+            <a:pPr algn="ctr"/>
+            <a:endParaRPr lang="en-US"/>
+          </a:p>
+        </p:txBody>
+      </p:sp>
+      <p:sp>
+        <p:nvSpPr>
+          <p:cNvPr id="13" name="TextBox 12"/>
+          <p:cNvSpPr txBox="1"/>
+          <p:nvPr/>
+        </p:nvSpPr>
+        <p:spPr>
+          <a:xfrm>
+            <a:off x="151190" y="1421030"/>
+            <a:ext cx="2123595" cy="646331"/>
+          </a:xfrm>
+          <a:prstGeom prst="rect">
+            <a:avLst/>
+          </a:prstGeom>
+          <a:noFill/>
+        </p:spPr>
+        <p:txBody>
+          <a:bodyPr wrap="none" rtlCol="0">
+            <a:spAutoFit/>
+          </a:bodyPr>
+          <a:lstStyle/>
+          <a:p>
+            <a:r>
+              <a:rPr lang="en-US" dirty="0" err="1" smtClean="0"/>
+              <a:t>ListView</a:t>
+            </a:r>
+            <a:endParaRPr lang="en-US" dirty="0" smtClean="0"/>
+          </a:p>
+          <a:p>
+            <a:r>
+              <a:rPr lang="en-US" dirty="0" err="1" smtClean="0"/>
+              <a:t>ItemSource</a:t>
+            </a:r>
+            <a:r>
+              <a:rPr lang="en-US" dirty="0" smtClean="0"/>
+              <a:t>: Stations</a:t>
+            </a:r>
+            <a:endParaRPr lang="en-US" dirty="0"/>
+          </a:p>
+        </p:txBody>
+      </p:sp>
+      <p:sp>
+        <p:nvSpPr>
+          <p:cNvPr id="14" name="Left Brace 13"/>
+          <p:cNvSpPr/>
+          <p:nvPr/>
+        </p:nvSpPr>
+        <p:spPr>
+          <a:xfrm>
+            <a:off x="2007220" y="2486722"/>
+            <a:ext cx="1039821" cy="925551"/>
+          </a:xfrm>
+          <a:prstGeom prst="leftBrace">
+            <a:avLst/>
+          </a:prstGeom>
+          <a:solidFill>
+            <a:schemeClr val="bg2">
+              <a:lumMod val="85000"/>
+            </a:schemeClr>
+          </a:solidFill>
+          <a:ln>
+            <a:solidFill>
+              <a:schemeClr val="tx1"/>
+            </a:solidFill>
+          </a:ln>
+        </p:spPr>
+        <p:style>
+          <a:lnRef idx="2">
+            <a:schemeClr val="accent1"/>
+          </a:lnRef>
+          <a:fillRef idx="0">
+            <a:schemeClr val="accent1"/>
+          </a:fillRef>
+          <a:effectRef idx="1">
+            <a:schemeClr val="accent1"/>
+          </a:effectRef>
+          <a:fontRef idx="minor">
+            <a:schemeClr val="tx1"/>
+          </a:fontRef>
+        </p:style>
+        <p:txBody>
+          <a:bodyPr rtlCol="0" anchor="ctr"/>
+          <a:lstStyle/>
+          <a:p>
+            <a:pPr algn="ctr"/>
+            <a:endParaRPr lang="en-US"/>
+          </a:p>
+        </p:txBody>
+      </p:sp>
+      <p:sp>
+        <p:nvSpPr>
+          <p:cNvPr id="15" name="TextBox 14"/>
+          <p:cNvSpPr txBox="1"/>
+          <p:nvPr/>
+        </p:nvSpPr>
+        <p:spPr>
+          <a:xfrm>
+            <a:off x="887634" y="2823784"/>
+            <a:ext cx="993285" cy="369332"/>
+          </a:xfrm>
+          <a:prstGeom prst="rect">
+            <a:avLst/>
+          </a:prstGeom>
+          <a:noFill/>
+        </p:spPr>
+        <p:txBody>
+          <a:bodyPr wrap="none" rtlCol="0">
+            <a:spAutoFit/>
+          </a:bodyPr>
+          <a:lstStyle/>
+          <a:p>
+            <a:r>
+              <a:rPr lang="en-US" smtClean="0"/>
+              <a:t>ViewCell</a:t>
+            </a:r>
+            <a:endParaRPr lang="en-US" dirty="0"/>
+          </a:p>
+        </p:txBody>
+      </p:sp>
+    </p:spTree>
+    <p:extLst>
+      <p:ext uri="{BB962C8B-B14F-4D97-AF65-F5344CB8AC3E}">
+        <p14:creationId xmlns:p14="http://schemas.microsoft.com/office/powerpoint/2010/main" val="391858784"/>
+      </p:ext>
+    </p:extLst>
+  </p:cSld>
+  <p:clrMapOvr>
+    <a:masterClrMapping/>
+  </p:clrMapOvr>
+  <p:timing>
+    <p:tnLst>
+      <p:par>
+        <p:cTn id="1" dur="indefinite" restart="never" nodeType="tmRoot"/>
+      </p:par>
+    </p:tnLst>
+  </p:timing>
+</p:sld>
+</file>
+
+<file path=ppt/slides/slide48.xml><?xml version="1.0" encoding="utf-8"?>
+<p:sld xmlns:a="http://schemas.openxmlformats.org/drawingml/2006/main" xmlns:r="http://schemas.openxmlformats.org/officeDocument/2006/relationships" xmlns:p="http://schemas.openxmlformats.org/presentationml/2006/main">
+  <p:cSld>
+    <p:spTree>
+      <p:nvGrpSpPr>
+        <p:cNvPr id="1" name=""/>
+        <p:cNvGrpSpPr/>
+        <p:nvPr/>
+      </p:nvGrpSpPr>
+      <p:grpSpPr>
+        <a:xfrm>
+          <a:off x="0" y="0"/>
+          <a:ext cx="0" cy="0"/>
+          <a:chOff x="0" y="0"/>
+          <a:chExt cx="0" cy="0"/>
+        </a:xfrm>
+      </p:grpSpPr>
+      <p:sp>
+        <p:nvSpPr>
+          <p:cNvPr id="3" name="Title 2"/>
+          <p:cNvSpPr>
+            <a:spLocks noGrp="1"/>
+          </p:cNvSpPr>
+          <p:nvPr>
             <p:ph type="ctrTitle"/>
           </p:nvPr>
         </p:nvSpPr>
@@ -9824,6 +10374,13 @@
   <p:clrMapOvr>
     <a:masterClrMapping/>
   </p:clrMapOvr>
+  <p:timing>
+    <p:tnLst>
+      <p:par>
+        <p:cTn id="1" dur="indefinite" restart="never" nodeType="tmRoot"/>
+      </p:par>
+    </p:tnLst>
+  </p:timing>
 </p:sld>
 </file>
 
